--- a/dia5/lecture5_hmc.pptx
+++ b/dia5/lecture5_hmc.pptx
@@ -5,14 +5,14 @@
     <p:sldMasterId id="2147483660" r:id="rId1"/>
   </p:sldMasterIdLst>
   <p:notesMasterIdLst>
-    <p:notesMasterId r:id="rId38"/>
+    <p:notesMasterId r:id="rId35"/>
   </p:notesMasterIdLst>
   <p:sldIdLst>
     <p:sldId id="311" r:id="rId2"/>
     <p:sldId id="312" r:id="rId3"/>
-    <p:sldId id="313" r:id="rId4"/>
-    <p:sldId id="314" r:id="rId5"/>
-    <p:sldId id="315" r:id="rId6"/>
+    <p:sldId id="352" r:id="rId4"/>
+    <p:sldId id="355" r:id="rId5"/>
+    <p:sldId id="313" r:id="rId6"/>
     <p:sldId id="316" r:id="rId7"/>
     <p:sldId id="317" r:id="rId8"/>
     <p:sldId id="318" r:id="rId9"/>
@@ -27,23 +27,20 @@
     <p:sldId id="327" r:id="rId18"/>
     <p:sldId id="328" r:id="rId19"/>
     <p:sldId id="329" r:id="rId20"/>
-    <p:sldId id="330" r:id="rId21"/>
-    <p:sldId id="331" r:id="rId22"/>
-    <p:sldId id="332" r:id="rId23"/>
-    <p:sldId id="333" r:id="rId24"/>
-    <p:sldId id="334" r:id="rId25"/>
-    <p:sldId id="335" r:id="rId26"/>
-    <p:sldId id="336" r:id="rId27"/>
-    <p:sldId id="337" r:id="rId28"/>
-    <p:sldId id="338" r:id="rId29"/>
-    <p:sldId id="339" r:id="rId30"/>
-    <p:sldId id="340" r:id="rId31"/>
-    <p:sldId id="341" r:id="rId32"/>
-    <p:sldId id="342" r:id="rId33"/>
-    <p:sldId id="343" r:id="rId34"/>
-    <p:sldId id="344" r:id="rId35"/>
-    <p:sldId id="347" r:id="rId36"/>
-    <p:sldId id="348" r:id="rId37"/>
+    <p:sldId id="334" r:id="rId21"/>
+    <p:sldId id="335" r:id="rId22"/>
+    <p:sldId id="336" r:id="rId23"/>
+    <p:sldId id="337" r:id="rId24"/>
+    <p:sldId id="338" r:id="rId25"/>
+    <p:sldId id="339" r:id="rId26"/>
+    <p:sldId id="340" r:id="rId27"/>
+    <p:sldId id="341" r:id="rId28"/>
+    <p:sldId id="342" r:id="rId29"/>
+    <p:sldId id="343" r:id="rId30"/>
+    <p:sldId id="351" r:id="rId31"/>
+    <p:sldId id="353" r:id="rId32"/>
+    <p:sldId id="347" r:id="rId33"/>
+    <p:sldId id="354" r:id="rId34"/>
   </p:sldIdLst>
   <p:sldSz cx="9144000" cy="6858000" type="screen4x3"/>
   <p:notesSz cx="6858000" cy="9144000"/>
@@ -596,7 +593,7 @@
           </a:ln>
           <a:extLst>
             <a:ext uri="{909E8E84-426E-40dd-AFC4-6F175D3DCCD1}">
-              <a14:hiddenFill xmlns:a14="http://schemas.microsoft.com/office/drawing/2010/main" xmlns="">
+              <a14:hiddenFill xmlns="" xmlns:a14="http://schemas.microsoft.com/office/drawing/2010/main">
                 <a:solidFill>
                   <a:srgbClr val="FFFFFF"/>
                 </a:solidFill>
@@ -639,7 +636,7 @@
           </a:ln>
           <a:extLst>
             <a:ext uri="{909E8E84-426E-40dd-AFC4-6F175D3DCCD1}">
-              <a14:hiddenFill xmlns:a14="http://schemas.microsoft.com/office/drawing/2010/main" xmlns="">
+              <a14:hiddenFill xmlns="" xmlns:a14="http://schemas.microsoft.com/office/drawing/2010/main">
                 <a:noFill/>
               </a14:hiddenFill>
             </a:ext>
@@ -4774,17 +4771,17 @@
           </a:ln>
           <a:extLst>
             <a:ext uri="{FAA26D3D-D897-4be2-8F04-BA451C77F1D7}">
-              <ma14:placeholderFlag xmlns:ma14="http://schemas.microsoft.com/office/mac/drawingml/2011/main" xmlns="" val="1"/>
+              <ma14:placeholderFlag xmlns="" xmlns:ma14="http://schemas.microsoft.com/office/mac/drawingml/2011/main" val="1"/>
             </a:ext>
             <a:ext uri="{909E8E84-426E-40dd-AFC4-6F175D3DCCD1}">
-              <a14:hiddenFill xmlns:a14="http://schemas.microsoft.com/office/drawing/2010/main" xmlns="">
+              <a14:hiddenFill xmlns="" xmlns:a14="http://schemas.microsoft.com/office/drawing/2010/main">
                 <a:solidFill>
                   <a:srgbClr val="FFFFFF"/>
                 </a:solidFill>
               </a14:hiddenFill>
             </a:ext>
             <a:ext uri="{91240B29-F687-4f45-9708-019B960494DF}">
-              <a14:hiddenLine xmlns:a14="http://schemas.microsoft.com/office/drawing/2010/main" xmlns="" w="9525">
+              <a14:hiddenLine xmlns="" xmlns:a14="http://schemas.microsoft.com/office/drawing/2010/main" w="9525">
                 <a:solidFill>
                   <a:srgbClr val="000000"/>
                 </a:solidFill>
@@ -4836,17 +4833,17 @@
           </a:ln>
           <a:extLst>
             <a:ext uri="{FAA26D3D-D897-4be2-8F04-BA451C77F1D7}">
-              <ma14:placeholderFlag xmlns:ma14="http://schemas.microsoft.com/office/mac/drawingml/2011/main" xmlns="" val="1"/>
+              <ma14:placeholderFlag xmlns="" xmlns:ma14="http://schemas.microsoft.com/office/mac/drawingml/2011/main" val="1"/>
             </a:ext>
             <a:ext uri="{909E8E84-426E-40dd-AFC4-6F175D3DCCD1}">
-              <a14:hiddenFill xmlns:a14="http://schemas.microsoft.com/office/drawing/2010/main" xmlns="">
+              <a14:hiddenFill xmlns="" xmlns:a14="http://schemas.microsoft.com/office/drawing/2010/main">
                 <a:solidFill>
                   <a:srgbClr val="FFFFFF"/>
                 </a:solidFill>
               </a14:hiddenFill>
             </a:ext>
             <a:ext uri="{91240B29-F687-4f45-9708-019B960494DF}">
-              <a14:hiddenLine xmlns:a14="http://schemas.microsoft.com/office/drawing/2010/main" xmlns="" w="9525">
+              <a14:hiddenLine xmlns="" xmlns:a14="http://schemas.microsoft.com/office/drawing/2010/main" w="9525">
                 <a:solidFill>
                   <a:srgbClr val="000000"/>
                 </a:solidFill>
@@ -5114,7 +5111,7 @@
           </a:ln>
           <a:extLst>
             <a:ext uri="{909E8E84-426E-40dd-AFC4-6F175D3DCCD1}">
-              <a14:hiddenFill xmlns:a14="http://schemas.microsoft.com/office/drawing/2010/main" xmlns="">
+              <a14:hiddenFill xmlns="" xmlns:a14="http://schemas.microsoft.com/office/drawing/2010/main">
                 <a:solidFill>
                   <a:srgbClr val="FFFFFF"/>
                 </a:solidFill>
@@ -5157,7 +5154,7 @@
           </a:ln>
           <a:extLst>
             <a:ext uri="{909E8E84-426E-40dd-AFC4-6F175D3DCCD1}">
-              <a14:hiddenFill xmlns:a14="http://schemas.microsoft.com/office/drawing/2010/main" xmlns="">
+              <a14:hiddenFill xmlns="" xmlns:a14="http://schemas.microsoft.com/office/drawing/2010/main">
                 <a:noFill/>
               </a14:hiddenFill>
             </a:ext>
@@ -5661,21 +5658,13 @@
         </p:spPr>
         <p:txBody>
           <a:bodyPr>
-            <a:normAutofit fontScale="90000"/>
+            <a:normAutofit/>
           </a:bodyPr>
           <a:lstStyle/>
           <a:p>
             <a:r>
               <a:rPr lang="en-US" dirty="0" smtClean="0"/>
-              <a:t>Hamiltonian Monte Carlo for </a:t>
-            </a:r>
-            <a:r>
-              <a:rPr lang="en-US" dirty="0"/>
-              <a:t>difficult-to-fit Bayesian models in </a:t>
-            </a:r>
-            <a:r>
-              <a:rPr lang="en-US" dirty="0" smtClean="0"/>
-              <a:t>ecology</a:t>
+              <a:t>Faster estimation of Bayesian models in ecology</a:t>
             </a:r>
             <a:endParaRPr lang="es-CL" noProof="0" dirty="0"/>
           </a:p>
@@ -5709,17 +5698,17 @@
           </a:ln>
           <a:extLst>
             <a:ext uri="{FAA26D3D-D897-4be2-8F04-BA451C77F1D7}">
-              <ma14:placeholderFlag xmlns="" xmlns:ma14="http://schemas.microsoft.com/office/mac/drawingml/2011/main" val="1"/>
+              <ma14:placeholderFlag xmlns:ma14="http://schemas.microsoft.com/office/mac/drawingml/2011/main" xmlns="" val="1"/>
             </a:ext>
             <a:ext uri="{909E8E84-426E-40dd-AFC4-6F175D3DCCD1}">
-              <a14:hiddenFill xmlns="" xmlns:a14="http://schemas.microsoft.com/office/drawing/2010/main">
+              <a14:hiddenFill xmlns:a14="http://schemas.microsoft.com/office/drawing/2010/main" xmlns="">
                 <a:solidFill>
                   <a:srgbClr val="FFFFFF"/>
                 </a:solidFill>
               </a14:hiddenFill>
             </a:ext>
             <a:ext uri="{91240B29-F687-4f45-9708-019B960494DF}">
-              <a14:hiddenLine xmlns="" xmlns:a14="http://schemas.microsoft.com/office/drawing/2010/main" w="9525">
+              <a14:hiddenLine xmlns:a14="http://schemas.microsoft.com/office/drawing/2010/main" xmlns="" w="9525">
                 <a:solidFill>
                   <a:srgbClr val="000000"/>
                 </a:solidFill>
@@ -6683,7 +6672,7 @@
         </p:nvSpPr>
         <p:spPr>
           <a:xfrm>
-            <a:off x="304800" y="1600200"/>
+            <a:off x="304800" y="964095"/>
             <a:ext cx="8534400" cy="4525963"/>
           </a:xfrm>
         </p:spPr>
@@ -6841,7 +6830,7 @@
           <a:graphicData uri="http://schemas.openxmlformats.org/presentationml/2006/ole">
             <mc:AlternateContent xmlns:mc="http://schemas.openxmlformats.org/markup-compatibility/2006">
               <mc:Choice xmlns:v="urn:schemas-microsoft-com:vml" Requires="v">
-                <p:oleObj spid="_x0000_s7170" name="Equation" r:id="rId3" imgW="2273040" imgH="431640" progId="Equation.DSMT4">
+                <p:oleObj spid="_x0000_s7187" name="Equation" r:id="rId3" imgW="2273040" imgH="431640" progId="Equation.DSMT4">
                   <p:embed/>
                 </p:oleObj>
               </mc:Choice>
@@ -7289,7 +7278,7 @@
         </p:nvSpPr>
         <p:spPr>
           <a:xfrm>
-            <a:off x="3352800" y="1600200"/>
+            <a:off x="3352800" y="1133061"/>
             <a:ext cx="5562600" cy="5029200"/>
           </a:xfrm>
         </p:spPr>
@@ -7443,8 +7432,13 @@
             </a:r>
             <a:r>
               <a:rPr lang="en-US" dirty="0" smtClean="0"/>
-              <a:t> is a different contours</a:t>
-            </a:r>
+              <a:t> is a different </a:t>
+            </a:r>
+            <a:r>
+              <a:rPr lang="en-US" dirty="0" smtClean="0"/>
+              <a:t>contour</a:t>
+            </a:r>
+            <a:endParaRPr lang="en-US" dirty="0" smtClean="0"/>
           </a:p>
           <a:p>
             <a:pPr lvl="1"/>
@@ -7672,7 +7666,7 @@
         </p:nvSpPr>
         <p:spPr>
           <a:xfrm>
-            <a:off x="3352800" y="1600200"/>
+            <a:off x="3352800" y="1133061"/>
             <a:ext cx="5562600" cy="5029200"/>
           </a:xfrm>
         </p:spPr>
@@ -7826,8 +7820,13 @@
             </a:r>
             <a:r>
               <a:rPr lang="en-US" dirty="0" smtClean="0"/>
-              <a:t> is a different contours</a:t>
-            </a:r>
+              <a:t> is a different </a:t>
+            </a:r>
+            <a:r>
+              <a:rPr lang="en-US" dirty="0" smtClean="0"/>
+              <a:t>contour</a:t>
+            </a:r>
+            <a:endParaRPr lang="en-US" dirty="0" smtClean="0"/>
           </a:p>
           <a:p>
             <a:pPr lvl="1"/>
@@ -8037,7 +8036,11 @@
           <a:p>
             <a:r>
               <a:rPr lang="en-US" dirty="0" smtClean="0"/>
-              <a:t>Hamiltonian Monte Carlo</a:t>
+              <a:t>Static Hamiltonian </a:t>
+            </a:r>
+            <a:r>
+              <a:rPr lang="en-US" dirty="0" smtClean="0"/>
+              <a:t>Monte Carlo</a:t>
             </a:r>
             <a:endParaRPr lang="en-US" dirty="0"/>
           </a:p>
@@ -8053,7 +8056,12 @@
             <p:ph idx="1"/>
           </p:nvPr>
         </p:nvSpPr>
-        <p:spPr/>
+        <p:spPr>
+          <a:xfrm>
+            <a:off x="457200" y="1262269"/>
+            <a:ext cx="8229600" cy="4530725"/>
+          </a:xfrm>
+        </p:spPr>
         <p:txBody>
           <a:bodyPr>
             <a:normAutofit/>
@@ -8194,18 +8202,22 @@
             <a:graphicFrameLocks noChangeAspect="1"/>
           </p:cNvGraphicFramePr>
           <p:nvPr>
-            <p:extLst/>
+            <p:extLst>
+              <p:ext uri="{D42A27DB-BD31-4B8C-83A1-F6EECF244321}">
+                <p14:modId xmlns:p14="http://schemas.microsoft.com/office/powerpoint/2010/main" val="2158031102"/>
+              </p:ext>
+            </p:extLst>
           </p:nvPr>
         </p:nvGraphicFramePr>
         <p:xfrm>
-          <a:off x="1905000" y="4495800"/>
+          <a:off x="1686339" y="4287079"/>
           <a:ext cx="6367462" cy="563563"/>
         </p:xfrm>
         <a:graphic>
           <a:graphicData uri="http://schemas.openxmlformats.org/presentationml/2006/ole">
             <mc:AlternateContent xmlns:mc="http://schemas.openxmlformats.org/markup-compatibility/2006">
               <mc:Choice xmlns:v="urn:schemas-microsoft-com:vml" Requires="v">
-                <p:oleObj spid="_x0000_s8194" name="Equation" r:id="rId3" imgW="2730240" imgH="241200" progId="Equation.DSMT4">
+                <p:oleObj spid="_x0000_s8211" name="Equation" r:id="rId3" imgW="2730240" imgH="241200" progId="Equation.DSMT4">
                   <p:embed/>
                 </p:oleObj>
               </mc:Choice>
@@ -8229,7 +8241,7 @@
                     </p:blipFill>
                     <p:spPr bwMode="auto">
                       <a:xfrm>
-                        <a:off x="1905000" y="4495800"/>
+                        <a:off x="1686339" y="4287079"/>
                         <a:ext cx="6367462" cy="563563"/>
                       </a:xfrm>
                       <a:prstGeom prst="rect">
@@ -8518,7 +8530,7 @@
         </p:nvSpPr>
         <p:spPr>
           <a:xfrm>
-            <a:off x="457200" y="0"/>
+            <a:off x="457200" y="99390"/>
             <a:ext cx="8229600" cy="1143000"/>
           </a:xfrm>
         </p:spPr>
@@ -9225,42 +9237,17 @@
           <a:p>
             <a:r>
               <a:rPr lang="en-US" dirty="0" smtClean="0"/>
-              <a:t>There is a need for efficient algorithms</a:t>
-            </a:r>
-            <a:r>
-              <a:rPr lang="en-US" dirty="0"/>
-              <a:t> </a:t>
-            </a:r>
-            <a:r>
-              <a:rPr lang="en-US" dirty="0" smtClean="0"/>
-              <a:t>for: </a:t>
-            </a:r>
-          </a:p>
-          <a:p>
-            <a:pPr lvl="1"/>
-            <a:r>
-              <a:rPr lang="en-US" dirty="0" smtClean="0"/>
-              <a:t>complex models and cross validation of simple models </a:t>
-            </a:r>
-            <a:r>
-              <a:rPr lang="en-US" sz="2000" dirty="0" smtClean="0"/>
-              <a:t>(</a:t>
-            </a:r>
-            <a:r>
-              <a:rPr lang="en-US" sz="2000" dirty="0" err="1" smtClean="0"/>
-              <a:t>Hooten</a:t>
-            </a:r>
-            <a:r>
-              <a:rPr lang="en-US" sz="2000" dirty="0" smtClean="0"/>
-              <a:t> and Hobbs 2014)</a:t>
+              <a:t>Common </a:t>
+            </a:r>
+            <a:r>
+              <a:rPr lang="en-US" dirty="0" smtClean="0"/>
+              <a:t>software (JAGS etc.) can be too </a:t>
+            </a:r>
+            <a:r>
+              <a:rPr lang="en-US" dirty="0" smtClean="0"/>
+              <a:t>slow for large, complex models</a:t>
             </a:r>
             <a:endParaRPr lang="en-US" dirty="0" smtClean="0"/>
-          </a:p>
-          <a:p>
-            <a:r>
-              <a:rPr lang="en-US" dirty="0" smtClean="0"/>
-              <a:t>Common software (JAGS etc.) can be too slow</a:t>
-            </a:r>
           </a:p>
           <a:p>
             <a:r>
@@ -9294,1205 +9281,6 @@
 </file>
 
 <file path=ppt/slides/slide20.xml><?xml version="1.0" encoding="utf-8"?>
-<p:sld xmlns:a="http://schemas.openxmlformats.org/drawingml/2006/main" xmlns:r="http://schemas.openxmlformats.org/officeDocument/2006/relationships" xmlns:p="http://schemas.openxmlformats.org/presentationml/2006/main">
-  <p:cSld>
-    <p:spTree>
-      <p:nvGrpSpPr>
-        <p:cNvPr id="1" name=""/>
-        <p:cNvGrpSpPr/>
-        <p:nvPr/>
-      </p:nvGrpSpPr>
-      <p:grpSpPr>
-        <a:xfrm>
-          <a:off x="0" y="0"/>
-          <a:ext cx="0" cy="0"/>
-          <a:chOff x="0" y="0"/>
-          <a:chExt cx="0" cy="0"/>
-        </a:xfrm>
-      </p:grpSpPr>
-      <p:sp>
-        <p:nvSpPr>
-          <p:cNvPr id="2" name="Title 1"/>
-          <p:cNvSpPr>
-            <a:spLocks noGrp="1"/>
-          </p:cNvSpPr>
-          <p:nvPr>
-            <p:ph type="title"/>
-          </p:nvPr>
-        </p:nvSpPr>
-        <p:spPr>
-          <a:xfrm>
-            <a:off x="457200" y="0"/>
-            <a:ext cx="8229600" cy="1143000"/>
-          </a:xfrm>
-        </p:spPr>
-        <p:txBody>
-          <a:bodyPr/>
-          <a:lstStyle/>
-          <a:p>
-            <a:r>
-              <a:rPr lang="en-US" dirty="0" smtClean="0"/>
-              <a:t>HMC: Example trajectories</a:t>
-            </a:r>
-            <a:endParaRPr lang="en-US" dirty="0"/>
-          </a:p>
-        </p:txBody>
-      </p:sp>
-      <p:pic>
-        <p:nvPicPr>
-          <p:cNvPr id="5" name="Picture 4"/>
-          <p:cNvPicPr>
-            <a:picLocks noChangeAspect="1"/>
-          </p:cNvPicPr>
-          <p:nvPr/>
-        </p:nvPicPr>
-        <p:blipFill>
-          <a:blip r:embed="rId2" cstate="print">
-            <a:extLst>
-              <a:ext uri="{28A0092B-C50C-407E-A947-70E740481C1C}">
-                <a14:useLocalDpi xmlns:a14="http://schemas.microsoft.com/office/drawing/2010/main" val="0"/>
-              </a:ext>
-            </a:extLst>
-          </a:blip>
-          <a:stretch>
-            <a:fillRect/>
-          </a:stretch>
-        </p:blipFill>
-        <p:spPr>
-          <a:xfrm>
-            <a:off x="533401" y="1270001"/>
-            <a:ext cx="3352799" cy="5587998"/>
-          </a:xfrm>
-          <a:prstGeom prst="rect">
-            <a:avLst/>
-          </a:prstGeom>
-        </p:spPr>
-      </p:pic>
-      <p:grpSp>
-        <p:nvGrpSpPr>
-          <p:cNvPr id="29" name="Group 28"/>
-          <p:cNvGrpSpPr/>
-          <p:nvPr/>
-        </p:nvGrpSpPr>
-        <p:grpSpPr>
-          <a:xfrm>
-            <a:off x="1219200" y="4572000"/>
-            <a:ext cx="1524000" cy="774918"/>
-            <a:chOff x="2209800" y="1316852"/>
-            <a:chExt cx="1524000" cy="774918"/>
-          </a:xfrm>
-        </p:grpSpPr>
-        <p:sp>
-          <p:nvSpPr>
-            <p:cNvPr id="30" name="TextBox 29"/>
-            <p:cNvSpPr txBox="1"/>
-            <p:nvPr/>
-          </p:nvSpPr>
-          <p:spPr>
-            <a:xfrm>
-              <a:off x="2209800" y="1722438"/>
-              <a:ext cx="1524000" cy="369332"/>
-            </a:xfrm>
-            <a:prstGeom prst="rect">
-              <a:avLst/>
-            </a:prstGeom>
-            <a:noFill/>
-          </p:spPr>
-          <p:txBody>
-            <a:bodyPr wrap="square" rtlCol="0">
-              <a:spAutoFit/>
-            </a:bodyPr>
-            <a:lstStyle/>
-            <a:p>
-              <a:r>
-                <a:rPr lang="en-US" dirty="0" smtClean="0"/>
-                <a:t>Exact cycles! </a:t>
-              </a:r>
-              <a:endParaRPr lang="en-US" dirty="0"/>
-            </a:p>
-          </p:txBody>
-        </p:sp>
-        <p:cxnSp>
-          <p:nvCxnSpPr>
-            <p:cNvPr id="31" name="Straight Arrow Connector 30"/>
-            <p:cNvCxnSpPr>
-              <a:stCxn id="30" idx="0"/>
-            </p:cNvCxnSpPr>
-            <p:nvPr/>
-          </p:nvCxnSpPr>
-          <p:spPr>
-            <a:xfrm flipH="1" flipV="1">
-              <a:off x="2362200" y="1316852"/>
-              <a:ext cx="609600" cy="405586"/>
-            </a:xfrm>
-            <a:prstGeom prst="straightConnector1">
-              <a:avLst/>
-            </a:prstGeom>
-            <a:ln>
-              <a:tailEnd type="triangle"/>
-            </a:ln>
-          </p:spPr>
-          <p:style>
-            <a:lnRef idx="2">
-              <a:schemeClr val="accent1"/>
-            </a:lnRef>
-            <a:fillRef idx="0">
-              <a:schemeClr val="accent1"/>
-            </a:fillRef>
-            <a:effectRef idx="1">
-              <a:schemeClr val="accent1"/>
-            </a:effectRef>
-            <a:fontRef idx="minor">
-              <a:schemeClr val="tx1"/>
-            </a:fontRef>
-          </p:style>
-        </p:cxnSp>
-      </p:grpSp>
-      <p:sp>
-        <p:nvSpPr>
-          <p:cNvPr id="3" name="Content Placeholder 2"/>
-          <p:cNvSpPr>
-            <a:spLocks noGrp="1"/>
-          </p:cNvSpPr>
-          <p:nvPr>
-            <p:ph idx="1"/>
-          </p:nvPr>
-        </p:nvSpPr>
-        <p:spPr>
-          <a:xfrm>
-            <a:off x="4038600" y="1371600"/>
-            <a:ext cx="4800599" cy="5029200"/>
-          </a:xfrm>
-        </p:spPr>
-        <p:txBody>
-          <a:bodyPr>
-            <a:normAutofit lnSpcReduction="10000"/>
-          </a:bodyPr>
-          <a:lstStyle/>
-          <a:p>
-            <a:pPr marL="230188" indent="-230188"/>
-            <a:r>
-              <a:rPr lang="en-US" dirty="0" smtClean="0"/>
-              <a:t>What’s happening here?</a:t>
-            </a:r>
-          </a:p>
-          <a:p>
-            <a:pPr marL="230188" indent="-230188"/>
-            <a:r>
-              <a:rPr lang="en-US" dirty="0" smtClean="0"/>
-              <a:t>The trajectory is cycling exactly w/ period 6.</a:t>
-            </a:r>
-          </a:p>
-          <a:p>
-            <a:pPr marL="230188" indent="-230188"/>
-            <a:r>
-              <a:rPr lang="en-US" dirty="0" smtClean="0"/>
-              <a:t>This is </a:t>
-            </a:r>
-            <a:r>
-              <a:rPr lang="en-US" dirty="0"/>
-              <a:t>r</a:t>
-            </a:r>
-            <a:r>
-              <a:rPr lang="en-US" dirty="0" smtClean="0"/>
-              <a:t>eally bad for MCMC. </a:t>
-            </a:r>
-          </a:p>
-          <a:p>
-            <a:pPr marL="230188" indent="-230188"/>
-            <a:r>
-              <a:rPr lang="en-US" dirty="0" smtClean="0"/>
-              <a:t>Leads to slow mixing in practice</a:t>
-            </a:r>
-            <a:r>
-              <a:rPr lang="en-US" baseline="30000" dirty="0" smtClean="0"/>
-              <a:t>1</a:t>
-            </a:r>
-            <a:r>
-              <a:rPr lang="en-US" dirty="0" smtClean="0"/>
-              <a:t>. </a:t>
-            </a:r>
-          </a:p>
-          <a:p>
-            <a:pPr marL="230188" indent="-230188"/>
-            <a:r>
-              <a:rPr lang="en-US" dirty="0" smtClean="0"/>
-              <a:t>Solution: randomize L or ɛ</a:t>
-            </a:r>
-          </a:p>
-          <a:p>
-            <a:pPr marL="230188" indent="-230188"/>
-            <a:r>
-              <a:rPr lang="en-US" dirty="0" smtClean="0"/>
-              <a:t>What happens over time?</a:t>
-            </a:r>
-            <a:endParaRPr lang="en-US" dirty="0"/>
-          </a:p>
-        </p:txBody>
-      </p:sp>
-      <p:sp>
-        <p:nvSpPr>
-          <p:cNvPr id="7" name="TextBox 6"/>
-          <p:cNvSpPr txBox="1"/>
-          <p:nvPr/>
-        </p:nvSpPr>
-        <p:spPr>
-          <a:xfrm>
-            <a:off x="4277498" y="6484548"/>
-            <a:ext cx="4876799" cy="369332"/>
-          </a:xfrm>
-          <a:prstGeom prst="rect">
-            <a:avLst/>
-          </a:prstGeom>
-          <a:noFill/>
-        </p:spPr>
-        <p:txBody>
-          <a:bodyPr wrap="square" rtlCol="0">
-            <a:spAutoFit/>
-          </a:bodyPr>
-          <a:lstStyle/>
-          <a:p>
-            <a:pPr algn="r"/>
-            <a:r>
-              <a:rPr lang="en-US" baseline="30000" dirty="0" smtClean="0"/>
-              <a:t>1 </a:t>
-            </a:r>
-            <a:r>
-              <a:rPr lang="en-US" dirty="0" smtClean="0"/>
-              <a:t>Exact periods are unlikely in real problems</a:t>
-            </a:r>
-            <a:endParaRPr lang="en-US" dirty="0"/>
-          </a:p>
-        </p:txBody>
-      </p:sp>
-    </p:spTree>
-    <p:extLst>
-      <p:ext uri="{BB962C8B-B14F-4D97-AF65-F5344CB8AC3E}">
-        <p14:creationId xmlns:p14="http://schemas.microsoft.com/office/powerpoint/2010/main" val="464800256"/>
-      </p:ext>
-    </p:extLst>
-  </p:cSld>
-  <p:clrMapOvr>
-    <a:masterClrMapping/>
-  </p:clrMapOvr>
-  <p:timing>
-    <p:tnLst>
-      <p:par>
-        <p:cTn id="1" dur="indefinite" restart="never" nodeType="tmRoot">
-          <p:childTnLst>
-            <p:seq concurrent="1" nextAc="seek">
-              <p:cTn id="2" dur="indefinite" nodeType="mainSeq">
-                <p:childTnLst>
-                  <p:par>
-                    <p:cTn id="3" fill="hold">
-                      <p:stCondLst>
-                        <p:cond delay="indefinite"/>
-                      </p:stCondLst>
-                      <p:childTnLst>
-                        <p:par>
-                          <p:cTn id="4" fill="hold">
-                            <p:stCondLst>
-                              <p:cond delay="0"/>
-                            </p:stCondLst>
-                            <p:childTnLst>
-                              <p:par>
-                                <p:cTn id="5" presetID="1" presetClass="entr" presetSubtype="0" fill="hold" nodeType="clickEffect">
-                                  <p:stCondLst>
-                                    <p:cond delay="0"/>
-                                  </p:stCondLst>
-                                  <p:childTnLst>
-                                    <p:set>
-                                      <p:cBhvr>
-                                        <p:cTn id="6" dur="1" fill="hold">
-                                          <p:stCondLst>
-                                            <p:cond delay="0"/>
-                                          </p:stCondLst>
-                                        </p:cTn>
-                                        <p:tgtEl>
-                                          <p:spTgt spid="29"/>
-                                        </p:tgtEl>
-                                        <p:attrNameLst>
-                                          <p:attrName>style.visibility</p:attrName>
-                                        </p:attrNameLst>
-                                      </p:cBhvr>
-                                      <p:to>
-                                        <p:strVal val="visible"/>
-                                      </p:to>
-                                    </p:set>
-                                  </p:childTnLst>
-                                </p:cTn>
-                              </p:par>
-                            </p:childTnLst>
-                          </p:cTn>
-                        </p:par>
-                      </p:childTnLst>
-                    </p:cTn>
-                  </p:par>
-                  <p:par>
-                    <p:cTn id="7" fill="hold">
-                      <p:stCondLst>
-                        <p:cond delay="indefinite"/>
-                      </p:stCondLst>
-                      <p:childTnLst>
-                        <p:par>
-                          <p:cTn id="8" fill="hold">
-                            <p:stCondLst>
-                              <p:cond delay="0"/>
-                            </p:stCondLst>
-                            <p:childTnLst>
-                              <p:par>
-                                <p:cTn id="9" presetID="1" presetClass="entr" presetSubtype="0" fill="hold" nodeType="clickEffect">
-                                  <p:stCondLst>
-                                    <p:cond delay="0"/>
-                                  </p:stCondLst>
-                                  <p:childTnLst>
-                                    <p:set>
-                                      <p:cBhvr>
-                                        <p:cTn id="10" dur="1" fill="hold">
-                                          <p:stCondLst>
-                                            <p:cond delay="0"/>
-                                          </p:stCondLst>
-                                        </p:cTn>
-                                        <p:tgtEl>
-                                          <p:spTgt spid="3">
-                                            <p:txEl>
-                                              <p:pRg st="1" end="1"/>
-                                            </p:txEl>
-                                          </p:spTgt>
-                                        </p:tgtEl>
-                                        <p:attrNameLst>
-                                          <p:attrName>style.visibility</p:attrName>
-                                        </p:attrNameLst>
-                                      </p:cBhvr>
-                                      <p:to>
-                                        <p:strVal val="visible"/>
-                                      </p:to>
-                                    </p:set>
-                                  </p:childTnLst>
-                                </p:cTn>
-                              </p:par>
-                              <p:par>
-                                <p:cTn id="11" presetID="1" presetClass="entr" presetSubtype="0" fill="hold" nodeType="withEffect">
-                                  <p:stCondLst>
-                                    <p:cond delay="0"/>
-                                  </p:stCondLst>
-                                  <p:childTnLst>
-                                    <p:set>
-                                      <p:cBhvr>
-                                        <p:cTn id="12" dur="1" fill="hold">
-                                          <p:stCondLst>
-                                            <p:cond delay="0"/>
-                                          </p:stCondLst>
-                                        </p:cTn>
-                                        <p:tgtEl>
-                                          <p:spTgt spid="3">
-                                            <p:txEl>
-                                              <p:pRg st="2" end="2"/>
-                                            </p:txEl>
-                                          </p:spTgt>
-                                        </p:tgtEl>
-                                        <p:attrNameLst>
-                                          <p:attrName>style.visibility</p:attrName>
-                                        </p:attrNameLst>
-                                      </p:cBhvr>
-                                      <p:to>
-                                        <p:strVal val="visible"/>
-                                      </p:to>
-                                    </p:set>
-                                  </p:childTnLst>
-                                </p:cTn>
-                              </p:par>
-                              <p:par>
-                                <p:cTn id="13" presetID="1" presetClass="entr" presetSubtype="0" fill="hold" nodeType="withEffect">
-                                  <p:stCondLst>
-                                    <p:cond delay="0"/>
-                                  </p:stCondLst>
-                                  <p:childTnLst>
-                                    <p:set>
-                                      <p:cBhvr>
-                                        <p:cTn id="14" dur="1" fill="hold">
-                                          <p:stCondLst>
-                                            <p:cond delay="0"/>
-                                          </p:stCondLst>
-                                        </p:cTn>
-                                        <p:tgtEl>
-                                          <p:spTgt spid="3">
-                                            <p:txEl>
-                                              <p:pRg st="3" end="3"/>
-                                            </p:txEl>
-                                          </p:spTgt>
-                                        </p:tgtEl>
-                                        <p:attrNameLst>
-                                          <p:attrName>style.visibility</p:attrName>
-                                        </p:attrNameLst>
-                                      </p:cBhvr>
-                                      <p:to>
-                                        <p:strVal val="visible"/>
-                                      </p:to>
-                                    </p:set>
-                                  </p:childTnLst>
-                                </p:cTn>
-                              </p:par>
-                              <p:par>
-                                <p:cTn id="15" presetID="1" presetClass="entr" presetSubtype="0" fill="hold" nodeType="withEffect">
-                                  <p:stCondLst>
-                                    <p:cond delay="0"/>
-                                  </p:stCondLst>
-                                  <p:childTnLst>
-                                    <p:set>
-                                      <p:cBhvr>
-                                        <p:cTn id="16" dur="1" fill="hold">
-                                          <p:stCondLst>
-                                            <p:cond delay="0"/>
-                                          </p:stCondLst>
-                                        </p:cTn>
-                                        <p:tgtEl>
-                                          <p:spTgt spid="3">
-                                            <p:txEl>
-                                              <p:pRg st="4" end="4"/>
-                                            </p:txEl>
-                                          </p:spTgt>
-                                        </p:tgtEl>
-                                        <p:attrNameLst>
-                                          <p:attrName>style.visibility</p:attrName>
-                                        </p:attrNameLst>
-                                      </p:cBhvr>
-                                      <p:to>
-                                        <p:strVal val="visible"/>
-                                      </p:to>
-                                    </p:set>
-                                  </p:childTnLst>
-                                </p:cTn>
-                              </p:par>
-                              <p:par>
-                                <p:cTn id="17" presetID="1" presetClass="entr" presetSubtype="0" fill="hold" nodeType="withEffect">
-                                  <p:stCondLst>
-                                    <p:cond delay="0"/>
-                                  </p:stCondLst>
-                                  <p:childTnLst>
-                                    <p:set>
-                                      <p:cBhvr>
-                                        <p:cTn id="18" dur="1" fill="hold">
-                                          <p:stCondLst>
-                                            <p:cond delay="0"/>
-                                          </p:stCondLst>
-                                        </p:cTn>
-                                        <p:tgtEl>
-                                          <p:spTgt spid="3">
-                                            <p:txEl>
-                                              <p:pRg st="5" end="5"/>
-                                            </p:txEl>
-                                          </p:spTgt>
-                                        </p:tgtEl>
-                                        <p:attrNameLst>
-                                          <p:attrName>style.visibility</p:attrName>
-                                        </p:attrNameLst>
-                                      </p:cBhvr>
-                                      <p:to>
-                                        <p:strVal val="visible"/>
-                                      </p:to>
-                                    </p:set>
-                                  </p:childTnLst>
-                                </p:cTn>
-                              </p:par>
-                              <p:par>
-                                <p:cTn id="19" presetID="1" presetClass="entr" presetSubtype="0" fill="hold" grpId="0" nodeType="withEffect">
-                                  <p:stCondLst>
-                                    <p:cond delay="0"/>
-                                  </p:stCondLst>
-                                  <p:childTnLst>
-                                    <p:set>
-                                      <p:cBhvr>
-                                        <p:cTn id="20" dur="1" fill="hold">
-                                          <p:stCondLst>
-                                            <p:cond delay="0"/>
-                                          </p:stCondLst>
-                                        </p:cTn>
-                                        <p:tgtEl>
-                                          <p:spTgt spid="7"/>
-                                        </p:tgtEl>
-                                        <p:attrNameLst>
-                                          <p:attrName>style.visibility</p:attrName>
-                                        </p:attrNameLst>
-                                      </p:cBhvr>
-                                      <p:to>
-                                        <p:strVal val="visible"/>
-                                      </p:to>
-                                    </p:set>
-                                  </p:childTnLst>
-                                </p:cTn>
-                              </p:par>
-                            </p:childTnLst>
-                          </p:cTn>
-                        </p:par>
-                      </p:childTnLst>
-                    </p:cTn>
-                  </p:par>
-                </p:childTnLst>
-              </p:cTn>
-              <p:prevCondLst>
-                <p:cond evt="onPrev" delay="0">
-                  <p:tgtEl>
-                    <p:sldTgt/>
-                  </p:tgtEl>
-                </p:cond>
-              </p:prevCondLst>
-              <p:nextCondLst>
-                <p:cond evt="onNext" delay="0">
-                  <p:tgtEl>
-                    <p:sldTgt/>
-                  </p:tgtEl>
-                </p:cond>
-              </p:nextCondLst>
-            </p:seq>
-          </p:childTnLst>
-        </p:cTn>
-      </p:par>
-    </p:tnLst>
-    <p:bldLst>
-      <p:bldP spid="7" grpId="0"/>
-    </p:bldLst>
-  </p:timing>
-</p:sld>
-</file>
-
-<file path=ppt/slides/slide21.xml><?xml version="1.0" encoding="utf-8"?>
-<p:sld xmlns:a="http://schemas.openxmlformats.org/drawingml/2006/main" xmlns:r="http://schemas.openxmlformats.org/officeDocument/2006/relationships" xmlns:p="http://schemas.openxmlformats.org/presentationml/2006/main">
-  <p:cSld>
-    <p:spTree>
-      <p:nvGrpSpPr>
-        <p:cNvPr id="1" name=""/>
-        <p:cNvGrpSpPr/>
-        <p:nvPr/>
-      </p:nvGrpSpPr>
-      <p:grpSpPr>
-        <a:xfrm>
-          <a:off x="0" y="0"/>
-          <a:ext cx="0" cy="0"/>
-          <a:chOff x="0" y="0"/>
-          <a:chExt cx="0" cy="0"/>
-        </a:xfrm>
-      </p:grpSpPr>
-      <p:sp>
-        <p:nvSpPr>
-          <p:cNvPr id="2" name="Title 1"/>
-          <p:cNvSpPr>
-            <a:spLocks noGrp="1"/>
-          </p:cNvSpPr>
-          <p:nvPr>
-            <p:ph type="title"/>
-          </p:nvPr>
-        </p:nvSpPr>
-        <p:spPr>
-          <a:xfrm>
-            <a:off x="457200" y="0"/>
-            <a:ext cx="8229600" cy="1143000"/>
-          </a:xfrm>
-        </p:spPr>
-        <p:txBody>
-          <a:bodyPr/>
-          <a:lstStyle/>
-          <a:p>
-            <a:r>
-              <a:rPr lang="en-US" dirty="0" smtClean="0"/>
-              <a:t>HMC: Example trajectories</a:t>
-            </a:r>
-            <a:endParaRPr lang="en-US" dirty="0"/>
-          </a:p>
-        </p:txBody>
-      </p:sp>
-      <p:pic>
-        <p:nvPicPr>
-          <p:cNvPr id="5" name="Picture 4"/>
-          <p:cNvPicPr>
-            <a:picLocks noChangeAspect="1"/>
-          </p:cNvPicPr>
-          <p:nvPr/>
-        </p:nvPicPr>
-        <p:blipFill>
-          <a:blip r:embed="rId2" cstate="print">
-            <a:extLst>
-              <a:ext uri="{28A0092B-C50C-407E-A947-70E740481C1C}">
-                <a14:useLocalDpi xmlns:a14="http://schemas.microsoft.com/office/drawing/2010/main" val="0"/>
-              </a:ext>
-            </a:extLst>
-          </a:blip>
-          <a:stretch>
-            <a:fillRect/>
-          </a:stretch>
-        </p:blipFill>
-        <p:spPr>
-          <a:xfrm>
-            <a:off x="533401" y="1270001"/>
-            <a:ext cx="3352799" cy="5587997"/>
-          </a:xfrm>
-          <a:prstGeom prst="rect">
-            <a:avLst/>
-          </a:prstGeom>
-        </p:spPr>
-      </p:pic>
-      <p:sp>
-        <p:nvSpPr>
-          <p:cNvPr id="3" name="Content Placeholder 2"/>
-          <p:cNvSpPr>
-            <a:spLocks noGrp="1"/>
-          </p:cNvSpPr>
-          <p:nvPr>
-            <p:ph idx="1"/>
-          </p:nvPr>
-        </p:nvSpPr>
-        <p:spPr>
-          <a:xfrm>
-            <a:off x="4038600" y="1371600"/>
-            <a:ext cx="4800599" cy="5029200"/>
-          </a:xfrm>
-        </p:spPr>
-        <p:txBody>
-          <a:bodyPr>
-            <a:normAutofit lnSpcReduction="10000"/>
-          </a:bodyPr>
-          <a:lstStyle/>
-          <a:p>
-            <a:pPr marL="230188" indent="-230188"/>
-            <a:r>
-              <a:rPr lang="en-US" dirty="0" smtClean="0"/>
-              <a:t>What’s happening here?</a:t>
-            </a:r>
-          </a:p>
-          <a:p>
-            <a:pPr marL="230188" indent="-230188"/>
-            <a:r>
-              <a:rPr lang="en-US" dirty="0" smtClean="0"/>
-              <a:t>The trajectory is cycling exactly w/ period 6.</a:t>
-            </a:r>
-          </a:p>
-          <a:p>
-            <a:pPr marL="230188" indent="-230188"/>
-            <a:r>
-              <a:rPr lang="en-US" dirty="0" smtClean="0"/>
-              <a:t>This is </a:t>
-            </a:r>
-            <a:r>
-              <a:rPr lang="en-US" dirty="0"/>
-              <a:t>r</a:t>
-            </a:r>
-            <a:r>
-              <a:rPr lang="en-US" dirty="0" smtClean="0"/>
-              <a:t>eally bad for MCMC. </a:t>
-            </a:r>
-          </a:p>
-          <a:p>
-            <a:pPr marL="230188" indent="-230188"/>
-            <a:r>
-              <a:rPr lang="en-US" dirty="0" smtClean="0"/>
-              <a:t>Leads to slow mixing in practice</a:t>
-            </a:r>
-            <a:r>
-              <a:rPr lang="en-US" baseline="30000" dirty="0" smtClean="0"/>
-              <a:t>1</a:t>
-            </a:r>
-            <a:r>
-              <a:rPr lang="en-US" dirty="0" smtClean="0"/>
-              <a:t>. </a:t>
-            </a:r>
-          </a:p>
-          <a:p>
-            <a:pPr marL="230188" indent="-230188"/>
-            <a:r>
-              <a:rPr lang="en-US" dirty="0" smtClean="0"/>
-              <a:t>Solution: randomize L or ɛ</a:t>
-            </a:r>
-          </a:p>
-          <a:p>
-            <a:pPr marL="230188" indent="-230188"/>
-            <a:r>
-              <a:rPr lang="en-US" dirty="0" smtClean="0"/>
-              <a:t>What happens over time?</a:t>
-            </a:r>
-            <a:endParaRPr lang="en-US" dirty="0"/>
-          </a:p>
-        </p:txBody>
-      </p:sp>
-      <p:sp>
-        <p:nvSpPr>
-          <p:cNvPr id="7" name="TextBox 6"/>
-          <p:cNvSpPr txBox="1"/>
-          <p:nvPr/>
-        </p:nvSpPr>
-        <p:spPr>
-          <a:xfrm>
-            <a:off x="4277498" y="6484548"/>
-            <a:ext cx="4876799" cy="369332"/>
-          </a:xfrm>
-          <a:prstGeom prst="rect">
-            <a:avLst/>
-          </a:prstGeom>
-          <a:noFill/>
-        </p:spPr>
-        <p:txBody>
-          <a:bodyPr wrap="square" rtlCol="0">
-            <a:spAutoFit/>
-          </a:bodyPr>
-          <a:lstStyle/>
-          <a:p>
-            <a:pPr algn="r"/>
-            <a:r>
-              <a:rPr lang="en-US" baseline="30000" dirty="0" smtClean="0"/>
-              <a:t>1 </a:t>
-            </a:r>
-            <a:r>
-              <a:rPr lang="en-US" dirty="0" smtClean="0"/>
-              <a:t>Exact periods are unlikely in real problems</a:t>
-            </a:r>
-            <a:endParaRPr lang="en-US" dirty="0"/>
-          </a:p>
-        </p:txBody>
-      </p:sp>
-    </p:spTree>
-    <p:extLst>
-      <p:ext uri="{BB962C8B-B14F-4D97-AF65-F5344CB8AC3E}">
-        <p14:creationId xmlns:p14="http://schemas.microsoft.com/office/powerpoint/2010/main" val="2102296212"/>
-      </p:ext>
-    </p:extLst>
-  </p:cSld>
-  <p:clrMapOvr>
-    <a:masterClrMapping/>
-  </p:clrMapOvr>
-  <p:timing>
-    <p:tnLst>
-      <p:par>
-        <p:cTn id="1" dur="indefinite" restart="never" nodeType="tmRoot"/>
-      </p:par>
-    </p:tnLst>
-  </p:timing>
-</p:sld>
-</file>
-
-<file path=ppt/slides/slide22.xml><?xml version="1.0" encoding="utf-8"?>
-<p:sld xmlns:a="http://schemas.openxmlformats.org/drawingml/2006/main" xmlns:r="http://schemas.openxmlformats.org/officeDocument/2006/relationships" xmlns:p="http://schemas.openxmlformats.org/presentationml/2006/main">
-  <p:cSld>
-    <p:spTree>
-      <p:nvGrpSpPr>
-        <p:cNvPr id="1" name=""/>
-        <p:cNvGrpSpPr/>
-        <p:nvPr/>
-      </p:nvGrpSpPr>
-      <p:grpSpPr>
-        <a:xfrm>
-          <a:off x="0" y="0"/>
-          <a:ext cx="0" cy="0"/>
-          <a:chOff x="0" y="0"/>
-          <a:chExt cx="0" cy="0"/>
-        </a:xfrm>
-      </p:grpSpPr>
-      <p:sp>
-        <p:nvSpPr>
-          <p:cNvPr id="2" name="Title 1"/>
-          <p:cNvSpPr>
-            <a:spLocks noGrp="1"/>
-          </p:cNvSpPr>
-          <p:nvPr>
-            <p:ph type="title"/>
-          </p:nvPr>
-        </p:nvSpPr>
-        <p:spPr>
-          <a:xfrm>
-            <a:off x="457200" y="0"/>
-            <a:ext cx="8229600" cy="1143000"/>
-          </a:xfrm>
-        </p:spPr>
-        <p:txBody>
-          <a:bodyPr/>
-          <a:lstStyle/>
-          <a:p>
-            <a:r>
-              <a:rPr lang="en-US" dirty="0" smtClean="0"/>
-              <a:t>HMC: Example trajectories</a:t>
-            </a:r>
-            <a:endParaRPr lang="en-US" dirty="0"/>
-          </a:p>
-        </p:txBody>
-      </p:sp>
-      <p:pic>
-        <p:nvPicPr>
-          <p:cNvPr id="5" name="Picture 4"/>
-          <p:cNvPicPr>
-            <a:picLocks noChangeAspect="1"/>
-          </p:cNvPicPr>
-          <p:nvPr/>
-        </p:nvPicPr>
-        <p:blipFill>
-          <a:blip r:embed="rId2" cstate="print">
-            <a:extLst>
-              <a:ext uri="{28A0092B-C50C-407E-A947-70E740481C1C}">
-                <a14:useLocalDpi xmlns:a14="http://schemas.microsoft.com/office/drawing/2010/main" val="0"/>
-              </a:ext>
-            </a:extLst>
-          </a:blip>
-          <a:stretch>
-            <a:fillRect/>
-          </a:stretch>
-        </p:blipFill>
-        <p:spPr>
-          <a:xfrm>
-            <a:off x="533401" y="1270001"/>
-            <a:ext cx="3352798" cy="5587997"/>
-          </a:xfrm>
-          <a:prstGeom prst="rect">
-            <a:avLst/>
-          </a:prstGeom>
-        </p:spPr>
-      </p:pic>
-      <p:sp>
-        <p:nvSpPr>
-          <p:cNvPr id="3" name="Content Placeholder 2"/>
-          <p:cNvSpPr>
-            <a:spLocks noGrp="1"/>
-          </p:cNvSpPr>
-          <p:nvPr>
-            <p:ph idx="1"/>
-          </p:nvPr>
-        </p:nvSpPr>
-        <p:spPr>
-          <a:xfrm>
-            <a:off x="4038600" y="1371600"/>
-            <a:ext cx="4800599" cy="5029200"/>
-          </a:xfrm>
-        </p:spPr>
-        <p:txBody>
-          <a:bodyPr>
-            <a:normAutofit lnSpcReduction="10000"/>
-          </a:bodyPr>
-          <a:lstStyle/>
-          <a:p>
-            <a:pPr marL="230188" indent="-230188"/>
-            <a:r>
-              <a:rPr lang="en-US" dirty="0" smtClean="0"/>
-              <a:t>What’s happening here?</a:t>
-            </a:r>
-          </a:p>
-          <a:p>
-            <a:pPr marL="230188" indent="-230188"/>
-            <a:r>
-              <a:rPr lang="en-US" dirty="0" smtClean="0"/>
-              <a:t>The trajectory is cycling exactly w/ period 6.</a:t>
-            </a:r>
-          </a:p>
-          <a:p>
-            <a:pPr marL="230188" indent="-230188"/>
-            <a:r>
-              <a:rPr lang="en-US" dirty="0" smtClean="0"/>
-              <a:t>This is </a:t>
-            </a:r>
-            <a:r>
-              <a:rPr lang="en-US" dirty="0"/>
-              <a:t>r</a:t>
-            </a:r>
-            <a:r>
-              <a:rPr lang="en-US" dirty="0" smtClean="0"/>
-              <a:t>eally bad for MCMC. </a:t>
-            </a:r>
-          </a:p>
-          <a:p>
-            <a:pPr marL="230188" indent="-230188"/>
-            <a:r>
-              <a:rPr lang="en-US" dirty="0" smtClean="0"/>
-              <a:t>Leads to slow mixing in practice</a:t>
-            </a:r>
-            <a:r>
-              <a:rPr lang="en-US" baseline="30000" dirty="0" smtClean="0"/>
-              <a:t>1</a:t>
-            </a:r>
-            <a:r>
-              <a:rPr lang="en-US" dirty="0" smtClean="0"/>
-              <a:t>. </a:t>
-            </a:r>
-          </a:p>
-          <a:p>
-            <a:pPr marL="230188" indent="-230188"/>
-            <a:r>
-              <a:rPr lang="en-US" dirty="0" smtClean="0"/>
-              <a:t>Solution: randomize L or ɛ</a:t>
-            </a:r>
-          </a:p>
-          <a:p>
-            <a:pPr marL="230188" indent="-230188"/>
-            <a:r>
-              <a:rPr lang="en-US" dirty="0" smtClean="0"/>
-              <a:t>What happens over time?</a:t>
-            </a:r>
-            <a:endParaRPr lang="en-US" dirty="0"/>
-          </a:p>
-        </p:txBody>
-      </p:sp>
-      <p:sp>
-        <p:nvSpPr>
-          <p:cNvPr id="7" name="TextBox 6"/>
-          <p:cNvSpPr txBox="1"/>
-          <p:nvPr/>
-        </p:nvSpPr>
-        <p:spPr>
-          <a:xfrm>
-            <a:off x="4277498" y="6484548"/>
-            <a:ext cx="4876799" cy="369332"/>
-          </a:xfrm>
-          <a:prstGeom prst="rect">
-            <a:avLst/>
-          </a:prstGeom>
-          <a:noFill/>
-        </p:spPr>
-        <p:txBody>
-          <a:bodyPr wrap="square" rtlCol="0">
-            <a:spAutoFit/>
-          </a:bodyPr>
-          <a:lstStyle/>
-          <a:p>
-            <a:pPr algn="r"/>
-            <a:r>
-              <a:rPr lang="en-US" baseline="30000" dirty="0" smtClean="0"/>
-              <a:t>1 </a:t>
-            </a:r>
-            <a:r>
-              <a:rPr lang="en-US" dirty="0" smtClean="0"/>
-              <a:t>Exact periods are unlikely in real problems</a:t>
-            </a:r>
-            <a:endParaRPr lang="en-US" dirty="0"/>
-          </a:p>
-        </p:txBody>
-      </p:sp>
-    </p:spTree>
-    <p:extLst>
-      <p:ext uri="{BB962C8B-B14F-4D97-AF65-F5344CB8AC3E}">
-        <p14:creationId xmlns:p14="http://schemas.microsoft.com/office/powerpoint/2010/main" val="1692456519"/>
-      </p:ext>
-    </p:extLst>
-  </p:cSld>
-  <p:clrMapOvr>
-    <a:masterClrMapping/>
-  </p:clrMapOvr>
-  <p:timing>
-    <p:tnLst>
-      <p:par>
-        <p:cTn id="1" dur="indefinite" restart="never" nodeType="tmRoot"/>
-      </p:par>
-    </p:tnLst>
-  </p:timing>
-</p:sld>
-</file>
-
-<file path=ppt/slides/slide23.xml><?xml version="1.0" encoding="utf-8"?>
-<p:sld xmlns:a="http://schemas.openxmlformats.org/drawingml/2006/main" xmlns:r="http://schemas.openxmlformats.org/officeDocument/2006/relationships" xmlns:p="http://schemas.openxmlformats.org/presentationml/2006/main">
-  <p:cSld>
-    <p:spTree>
-      <p:nvGrpSpPr>
-        <p:cNvPr id="1" name=""/>
-        <p:cNvGrpSpPr/>
-        <p:nvPr/>
-      </p:nvGrpSpPr>
-      <p:grpSpPr>
-        <a:xfrm>
-          <a:off x="0" y="0"/>
-          <a:ext cx="0" cy="0"/>
-          <a:chOff x="0" y="0"/>
-          <a:chExt cx="0" cy="0"/>
-        </a:xfrm>
-      </p:grpSpPr>
-      <p:sp>
-        <p:nvSpPr>
-          <p:cNvPr id="2" name="Title 1"/>
-          <p:cNvSpPr>
-            <a:spLocks noGrp="1"/>
-          </p:cNvSpPr>
-          <p:nvPr>
-            <p:ph type="title"/>
-          </p:nvPr>
-        </p:nvSpPr>
-        <p:spPr>
-          <a:xfrm>
-            <a:off x="457200" y="0"/>
-            <a:ext cx="8229600" cy="1143000"/>
-          </a:xfrm>
-        </p:spPr>
-        <p:txBody>
-          <a:bodyPr/>
-          <a:lstStyle/>
-          <a:p>
-            <a:r>
-              <a:rPr lang="en-US" dirty="0" smtClean="0"/>
-              <a:t>HMC: Example trajectories</a:t>
-            </a:r>
-            <a:endParaRPr lang="en-US" dirty="0"/>
-          </a:p>
-        </p:txBody>
-      </p:sp>
-      <p:pic>
-        <p:nvPicPr>
-          <p:cNvPr id="5" name="Picture 4"/>
-          <p:cNvPicPr>
-            <a:picLocks noChangeAspect="1"/>
-          </p:cNvPicPr>
-          <p:nvPr/>
-        </p:nvPicPr>
-        <p:blipFill>
-          <a:blip r:embed="rId2" cstate="print">
-            <a:extLst>
-              <a:ext uri="{28A0092B-C50C-407E-A947-70E740481C1C}">
-                <a14:useLocalDpi xmlns:a14="http://schemas.microsoft.com/office/drawing/2010/main" val="0"/>
-              </a:ext>
-            </a:extLst>
-          </a:blip>
-          <a:stretch>
-            <a:fillRect/>
-          </a:stretch>
-        </p:blipFill>
-        <p:spPr>
-          <a:xfrm>
-            <a:off x="533401" y="1270002"/>
-            <a:ext cx="3352798" cy="5587995"/>
-          </a:xfrm>
-          <a:prstGeom prst="rect">
-            <a:avLst/>
-          </a:prstGeom>
-        </p:spPr>
-      </p:pic>
-      <p:sp>
-        <p:nvSpPr>
-          <p:cNvPr id="3" name="Content Placeholder 2"/>
-          <p:cNvSpPr>
-            <a:spLocks noGrp="1"/>
-          </p:cNvSpPr>
-          <p:nvPr>
-            <p:ph idx="1"/>
-          </p:nvPr>
-        </p:nvSpPr>
-        <p:spPr>
-          <a:xfrm>
-            <a:off x="4038600" y="1371600"/>
-            <a:ext cx="4800599" cy="5029200"/>
-          </a:xfrm>
-        </p:spPr>
-        <p:txBody>
-          <a:bodyPr>
-            <a:normAutofit lnSpcReduction="10000"/>
-          </a:bodyPr>
-          <a:lstStyle/>
-          <a:p>
-            <a:pPr marL="230188" indent="-230188"/>
-            <a:r>
-              <a:rPr lang="en-US" dirty="0" smtClean="0"/>
-              <a:t>What’s happening here?</a:t>
-            </a:r>
-          </a:p>
-          <a:p>
-            <a:pPr marL="230188" indent="-230188"/>
-            <a:r>
-              <a:rPr lang="en-US" dirty="0" smtClean="0"/>
-              <a:t>The trajectory is cycling exactly w/ period 6.</a:t>
-            </a:r>
-          </a:p>
-          <a:p>
-            <a:pPr marL="230188" indent="-230188"/>
-            <a:r>
-              <a:rPr lang="en-US" dirty="0" smtClean="0"/>
-              <a:t>This is </a:t>
-            </a:r>
-            <a:r>
-              <a:rPr lang="en-US" dirty="0"/>
-              <a:t>r</a:t>
-            </a:r>
-            <a:r>
-              <a:rPr lang="en-US" dirty="0" smtClean="0"/>
-              <a:t>eally bad for MCMC. </a:t>
-            </a:r>
-          </a:p>
-          <a:p>
-            <a:pPr marL="230188" indent="-230188"/>
-            <a:r>
-              <a:rPr lang="en-US" dirty="0" smtClean="0"/>
-              <a:t>Leads to slow mixing in practice</a:t>
-            </a:r>
-            <a:r>
-              <a:rPr lang="en-US" baseline="30000" dirty="0" smtClean="0"/>
-              <a:t>1</a:t>
-            </a:r>
-            <a:r>
-              <a:rPr lang="en-US" dirty="0" smtClean="0"/>
-              <a:t>. </a:t>
-            </a:r>
-          </a:p>
-          <a:p>
-            <a:pPr marL="230188" indent="-230188"/>
-            <a:r>
-              <a:rPr lang="en-US" dirty="0" smtClean="0"/>
-              <a:t>Solution: randomize L or ɛ</a:t>
-            </a:r>
-          </a:p>
-          <a:p>
-            <a:pPr marL="230188" indent="-230188"/>
-            <a:r>
-              <a:rPr lang="en-US" dirty="0" smtClean="0"/>
-              <a:t>What happens over time?</a:t>
-            </a:r>
-            <a:endParaRPr lang="en-US" dirty="0"/>
-          </a:p>
-        </p:txBody>
-      </p:sp>
-      <p:sp>
-        <p:nvSpPr>
-          <p:cNvPr id="7" name="TextBox 6"/>
-          <p:cNvSpPr txBox="1"/>
-          <p:nvPr/>
-        </p:nvSpPr>
-        <p:spPr>
-          <a:xfrm>
-            <a:off x="4277498" y="6484548"/>
-            <a:ext cx="4876799" cy="369332"/>
-          </a:xfrm>
-          <a:prstGeom prst="rect">
-            <a:avLst/>
-          </a:prstGeom>
-          <a:noFill/>
-        </p:spPr>
-        <p:txBody>
-          <a:bodyPr wrap="square" rtlCol="0">
-            <a:spAutoFit/>
-          </a:bodyPr>
-          <a:lstStyle/>
-          <a:p>
-            <a:pPr algn="r"/>
-            <a:r>
-              <a:rPr lang="en-US" baseline="30000" dirty="0" smtClean="0"/>
-              <a:t>1 </a:t>
-            </a:r>
-            <a:r>
-              <a:rPr lang="en-US" dirty="0" smtClean="0"/>
-              <a:t>Exact periods are unlikely in real problems</a:t>
-            </a:r>
-            <a:endParaRPr lang="en-US" dirty="0"/>
-          </a:p>
-        </p:txBody>
-      </p:sp>
-    </p:spTree>
-    <p:extLst>
-      <p:ext uri="{BB962C8B-B14F-4D97-AF65-F5344CB8AC3E}">
-        <p14:creationId xmlns:p14="http://schemas.microsoft.com/office/powerpoint/2010/main" val="3176444598"/>
-      </p:ext>
-    </p:extLst>
-  </p:cSld>
-  <p:clrMapOvr>
-    <a:masterClrMapping/>
-  </p:clrMapOvr>
-  <p:timing>
-    <p:tnLst>
-      <p:par>
-        <p:cTn id="1" dur="indefinite" restart="never" nodeType="tmRoot"/>
-      </p:par>
-    </p:tnLst>
-  </p:timing>
-</p:sld>
-</file>
-
-<file path=ppt/slides/slide24.xml><?xml version="1.0" encoding="utf-8"?>
 <p:sld xmlns:a="http://schemas.openxmlformats.org/drawingml/2006/main" xmlns:r="http://schemas.openxmlformats.org/officeDocument/2006/relationships" xmlns:p="http://schemas.openxmlformats.org/presentationml/2006/main">
   <p:cSld>
     <p:spTree>
@@ -10849,7 +9637,7 @@
 </p:sld>
 </file>
 
-<file path=ppt/slides/slide25.xml><?xml version="1.0" encoding="utf-8"?>
+<file path=ppt/slides/slide21.xml><?xml version="1.0" encoding="utf-8"?>
 <p:sld xmlns:a="http://schemas.openxmlformats.org/drawingml/2006/main" xmlns:r="http://schemas.openxmlformats.org/officeDocument/2006/relationships" xmlns:p="http://schemas.openxmlformats.org/presentationml/2006/main">
   <p:cSld>
     <p:spTree>
@@ -11131,7 +9919,7 @@
 </p:sld>
 </file>
 
-<file path=ppt/slides/slide26.xml><?xml version="1.0" encoding="utf-8"?>
+<file path=ppt/slides/slide22.xml><?xml version="1.0" encoding="utf-8"?>
 <p:sld xmlns:a="http://schemas.openxmlformats.org/drawingml/2006/main" xmlns:r="http://schemas.openxmlformats.org/officeDocument/2006/relationships" xmlns:p="http://schemas.openxmlformats.org/presentationml/2006/main">
   <p:cSld>
     <p:spTree>
@@ -11160,7 +9948,7 @@
         </p:nvSpPr>
         <p:spPr>
           <a:xfrm>
-            <a:off x="457200" y="0"/>
+            <a:off x="457200" y="168963"/>
             <a:ext cx="8229600" cy="1143000"/>
           </a:xfrm>
         </p:spPr>
@@ -11288,7 +10076,7 @@
 </p:sld>
 </file>
 
-<file path=ppt/slides/slide27.xml><?xml version="1.0" encoding="utf-8"?>
+<file path=ppt/slides/slide23.xml><?xml version="1.0" encoding="utf-8"?>
 <p:sld xmlns:a="http://schemas.openxmlformats.org/drawingml/2006/main" xmlns:r="http://schemas.openxmlformats.org/officeDocument/2006/relationships" xmlns:p="http://schemas.openxmlformats.org/presentationml/2006/main">
   <p:cSld>
     <p:spTree>
@@ -11611,7 +10399,7 @@
 </p:sld>
 </file>
 
-<file path=ppt/slides/slide28.xml><?xml version="1.0" encoding="utf-8"?>
+<file path=ppt/slides/slide24.xml><?xml version="1.0" encoding="utf-8"?>
 <p:sld xmlns:a="http://schemas.openxmlformats.org/drawingml/2006/main" xmlns:r="http://schemas.openxmlformats.org/officeDocument/2006/relationships" xmlns:p="http://schemas.openxmlformats.org/presentationml/2006/main">
   <p:cSld>
     <p:spTree>
@@ -11721,7 +10509,7 @@
 </p:sld>
 </file>
 
-<file path=ppt/slides/slide29.xml><?xml version="1.0" encoding="utf-8"?>
+<file path=ppt/slides/slide25.xml><?xml version="1.0" encoding="utf-8"?>
 <p:sld xmlns:a="http://schemas.openxmlformats.org/drawingml/2006/main" xmlns:r="http://schemas.openxmlformats.org/officeDocument/2006/relationships" xmlns:p="http://schemas.openxmlformats.org/presentationml/2006/main">
   <p:cSld>
     <p:spTree>
@@ -11868,205 +10656,7 @@
 </p:sld>
 </file>
 
-<file path=ppt/slides/slide3.xml><?xml version="1.0" encoding="utf-8"?>
-<p:sld xmlns:a="http://schemas.openxmlformats.org/drawingml/2006/main" xmlns:r="http://schemas.openxmlformats.org/officeDocument/2006/relationships" xmlns:p="http://schemas.openxmlformats.org/presentationml/2006/main">
-  <p:cSld>
-    <p:spTree>
-      <p:nvGrpSpPr>
-        <p:cNvPr id="1" name=""/>
-        <p:cNvGrpSpPr/>
-        <p:nvPr/>
-      </p:nvGrpSpPr>
-      <p:grpSpPr>
-        <a:xfrm>
-          <a:off x="0" y="0"/>
-          <a:ext cx="0" cy="0"/>
-          <a:chOff x="0" y="0"/>
-          <a:chExt cx="0" cy="0"/>
-        </a:xfrm>
-      </p:grpSpPr>
-      <p:sp>
-        <p:nvSpPr>
-          <p:cNvPr id="2" name="Title 1"/>
-          <p:cNvSpPr>
-            <a:spLocks noGrp="1"/>
-          </p:cNvSpPr>
-          <p:nvPr>
-            <p:ph type="title"/>
-          </p:nvPr>
-        </p:nvSpPr>
-        <p:spPr/>
-        <p:txBody>
-          <a:bodyPr/>
-          <a:lstStyle/>
-          <a:p>
-            <a:r>
-              <a:rPr lang="en-US" dirty="0" smtClean="0"/>
-              <a:t>Plan of attack</a:t>
-            </a:r>
-            <a:endParaRPr lang="en-US" dirty="0"/>
-          </a:p>
-        </p:txBody>
-      </p:sp>
-      <p:sp>
-        <p:nvSpPr>
-          <p:cNvPr id="3" name="Content Placeholder 2"/>
-          <p:cNvSpPr>
-            <a:spLocks noGrp="1"/>
-          </p:cNvSpPr>
-          <p:nvPr>
-            <p:ph idx="1"/>
-          </p:nvPr>
-        </p:nvSpPr>
-        <p:spPr>
-          <a:xfrm>
-            <a:off x="457200" y="1371600"/>
-            <a:ext cx="8229600" cy="4038600"/>
-          </a:xfrm>
-        </p:spPr>
-        <p:txBody>
-          <a:bodyPr>
-            <a:normAutofit/>
-          </a:bodyPr>
-          <a:lstStyle/>
-          <a:p>
-            <a:pPr marL="514350" indent="-514350">
-              <a:buFont typeface="+mj-lt"/>
-              <a:buAutoNum type="arabicPeriod"/>
-            </a:pPr>
-            <a:r>
-              <a:rPr lang="en-US" dirty="0" smtClean="0"/>
-              <a:t>Bayesian intro and background</a:t>
-            </a:r>
-          </a:p>
-          <a:p>
-            <a:pPr marL="514350" indent="-514350">
-              <a:buFont typeface="+mj-lt"/>
-              <a:buAutoNum type="arabicPeriod"/>
-            </a:pPr>
-            <a:r>
-              <a:rPr lang="en-US" dirty="0" smtClean="0"/>
-              <a:t>Gibbs and Metropolis overview</a:t>
-            </a:r>
-          </a:p>
-          <a:p>
-            <a:pPr marL="514350" indent="-514350">
-              <a:buFont typeface="+mj-lt"/>
-              <a:buAutoNum type="arabicPeriod"/>
-            </a:pPr>
-            <a:r>
-              <a:rPr lang="en-US" dirty="0" smtClean="0"/>
-              <a:t>Intro to Hamiltonian dynamics </a:t>
-            </a:r>
-          </a:p>
-          <a:p>
-            <a:pPr marL="514350" indent="-514350">
-              <a:buFont typeface="+mj-lt"/>
-              <a:buAutoNum type="arabicPeriod"/>
-            </a:pPr>
-            <a:r>
-              <a:rPr lang="en-US" dirty="0" smtClean="0"/>
-              <a:t>Hamiltonian Monte Carlo &amp; No-U-Turn</a:t>
-            </a:r>
-          </a:p>
-          <a:p>
-            <a:pPr lvl="1"/>
-            <a:r>
-              <a:rPr lang="en-US" dirty="0" smtClean="0"/>
-              <a:t>Develop intuition for these MCMC algorithms</a:t>
-            </a:r>
-          </a:p>
-          <a:p>
-            <a:pPr lvl="1"/>
-            <a:r>
-              <a:rPr lang="en-US" dirty="0" smtClean="0"/>
-              <a:t>Review software options</a:t>
-            </a:r>
-          </a:p>
-          <a:p>
-            <a:pPr marL="514350" indent="-514350">
-              <a:buFont typeface="+mj-lt"/>
-              <a:buAutoNum type="arabicPeriod"/>
-            </a:pPr>
-            <a:r>
-              <a:rPr lang="en-US" dirty="0" smtClean="0"/>
-              <a:t>Performance and concluding thoughts</a:t>
-            </a:r>
-          </a:p>
-          <a:p>
-            <a:pPr marL="514350" indent="-514350">
-              <a:buFont typeface="+mj-lt"/>
-              <a:buAutoNum type="arabicPeriod"/>
-            </a:pPr>
-            <a:endParaRPr lang="en-US" dirty="0"/>
-          </a:p>
-        </p:txBody>
-      </p:sp>
-      <p:sp>
-        <p:nvSpPr>
-          <p:cNvPr id="4" name="TextBox 3"/>
-          <p:cNvSpPr txBox="1"/>
-          <p:nvPr/>
-        </p:nvSpPr>
-        <p:spPr>
-          <a:xfrm>
-            <a:off x="990600" y="5638800"/>
-            <a:ext cx="7543800" cy="1077218"/>
-          </a:xfrm>
-          <a:prstGeom prst="rect">
-            <a:avLst/>
-          </a:prstGeom>
-          <a:noFill/>
-          <a:ln>
-            <a:solidFill>
-              <a:schemeClr val="tx1"/>
-            </a:solidFill>
-          </a:ln>
-        </p:spPr>
-        <p:txBody>
-          <a:bodyPr wrap="square" rtlCol="0">
-            <a:spAutoFit/>
-          </a:bodyPr>
-          <a:lstStyle/>
-          <a:p>
-            <a:pPr algn="ctr"/>
-            <a:r>
-              <a:rPr lang="en-US" sz="3200" b="1" dirty="0"/>
-              <a:t>Goal</a:t>
-            </a:r>
-            <a:r>
-              <a:rPr lang="en-US" sz="3200" dirty="0"/>
-              <a:t>: Understand algorithms enough to diagnose and interpret MCMC </a:t>
-            </a:r>
-            <a:r>
-              <a:rPr lang="en-US" sz="3200" dirty="0" smtClean="0"/>
-              <a:t>output</a:t>
-            </a:r>
-            <a:endParaRPr lang="en-US" sz="3200" dirty="0"/>
-          </a:p>
-        </p:txBody>
-      </p:sp>
-    </p:spTree>
-    <p:extLst>
-      <p:ext uri="{BB962C8B-B14F-4D97-AF65-F5344CB8AC3E}">
-        <p14:creationId xmlns:p14="http://schemas.microsoft.com/office/powerpoint/2010/main" val="2434183325"/>
-      </p:ext>
-    </p:extLst>
-  </p:cSld>
-  <p:clrMapOvr>
-    <a:masterClrMapping/>
-  </p:clrMapOvr>
-  <p:timing>
-    <p:tnLst>
-      <p:par>
-        <p:cTn id="1" dur="indefinite" restart="never" nodeType="tmRoot"/>
-      </p:par>
-    </p:tnLst>
-  </p:timing>
-</p:sld>
-</file>
-
-<file path=ppt/slides/slide30.xml><?xml version="1.0" encoding="utf-8"?>
+<file path=ppt/slides/slide26.xml><?xml version="1.0" encoding="utf-8"?>
 <p:sld xmlns:a="http://schemas.openxmlformats.org/drawingml/2006/main" xmlns:r="http://schemas.openxmlformats.org/officeDocument/2006/relationships" xmlns:p="http://schemas.openxmlformats.org/presentationml/2006/main">
   <p:cSld>
     <p:spTree>
@@ -12342,7 +10932,7 @@
 </p:sld>
 </file>
 
-<file path=ppt/slides/slide31.xml><?xml version="1.0" encoding="utf-8"?>
+<file path=ppt/slides/slide27.xml><?xml version="1.0" encoding="utf-8"?>
 <p:sld xmlns:a="http://schemas.openxmlformats.org/drawingml/2006/main" xmlns:r="http://schemas.openxmlformats.org/officeDocument/2006/relationships" xmlns:p="http://schemas.openxmlformats.org/presentationml/2006/main">
   <p:cSld>
     <p:spTree>
@@ -12494,8 +11084,8 @@
               <a:t>r,u,B,C|ɛ</a:t>
             </a:r>
             <a:r>
-              <a:rPr lang="en-US" dirty="0"/>
-              <a:t>]</a:t>
+              <a:rPr lang="en-US" dirty="0" smtClean="0"/>
+              <a:t>)]</a:t>
             </a:r>
             <a:endParaRPr lang="en-US" dirty="0" smtClean="0"/>
           </a:p>
@@ -12531,7 +11121,7 @@
           <a:graphicData uri="http://schemas.openxmlformats.org/presentationml/2006/ole">
             <mc:AlternateContent xmlns:mc="http://schemas.openxmlformats.org/markup-compatibility/2006">
               <mc:Choice xmlns:v="urn:schemas-microsoft-com:vml" Requires="v">
-                <p:oleObj spid="_x0000_s9218" name="Equation" r:id="rId3" imgW="1028520" imgH="228600" progId="Equation.DSMT4">
+                <p:oleObj spid="_x0000_s9252" name="Equation" r:id="rId3" imgW="1028520" imgH="228600" progId="Equation.DSMT4">
                   <p:embed/>
                 </p:oleObj>
               </mc:Choice>
@@ -12584,7 +11174,7 @@
           <a:graphicData uri="http://schemas.openxmlformats.org/presentationml/2006/ole">
             <mc:AlternateContent xmlns:mc="http://schemas.openxmlformats.org/markup-compatibility/2006">
               <mc:Choice xmlns:v="urn:schemas-microsoft-com:vml" Requires="v">
-                <p:oleObj spid="_x0000_s9219" name="Equation" r:id="rId5" imgW="698400" imgH="228600" progId="Equation.DSMT4">
+                <p:oleObj spid="_x0000_s9253" name="Equation" r:id="rId5" imgW="698400" imgH="228600" progId="Equation.DSMT4">
                   <p:embed/>
                 </p:oleObj>
               </mc:Choice>
@@ -12639,7 +11229,7 @@
 </p:sld>
 </file>
 
-<file path=ppt/slides/slide32.xml><?xml version="1.0" encoding="utf-8"?>
+<file path=ppt/slides/slide28.xml><?xml version="1.0" encoding="utf-8"?>
 <p:sld xmlns:a="http://schemas.openxmlformats.org/drawingml/2006/main" xmlns:r="http://schemas.openxmlformats.org/officeDocument/2006/relationships" xmlns:p="http://schemas.openxmlformats.org/presentationml/2006/main">
   <p:cSld>
     <p:spTree>
@@ -13085,7 +11675,7 @@
 </p:sld>
 </file>
 
-<file path=ppt/slides/slide33.xml><?xml version="1.0" encoding="utf-8"?>
+<file path=ppt/slides/slide29.xml><?xml version="1.0" encoding="utf-8"?>
 <p:sld xmlns:a="http://schemas.openxmlformats.org/drawingml/2006/main" xmlns:r="http://schemas.openxmlformats.org/officeDocument/2006/relationships" xmlns:p="http://schemas.openxmlformats.org/presentationml/2006/main">
   <p:cSld>
     <p:spTree>
@@ -13135,7 +11725,12 @@
             <p:ph idx="1"/>
           </p:nvPr>
         </p:nvSpPr>
-        <p:spPr/>
+        <p:spPr>
+          <a:xfrm>
+            <a:off x="457200" y="1331844"/>
+            <a:ext cx="8229600" cy="4530725"/>
+          </a:xfrm>
+        </p:spPr>
         <p:txBody>
           <a:bodyPr>
             <a:normAutofit/>
@@ -13156,51 +11751,41 @@
           <a:p>
             <a:pPr lvl="1"/>
             <a:r>
-              <a:rPr lang="en-US" dirty="0" err="1"/>
-              <a:t>m</a:t>
-            </a:r>
-            <a:r>
               <a:rPr lang="en-US" dirty="0" err="1" smtClean="0"/>
-              <a:t>ax_depth</a:t>
-            </a:r>
-            <a:r>
-              <a:rPr lang="en-US" dirty="0" smtClean="0"/>
-              <a:t>: Maximum tree depth. </a:t>
+              <a:t>max_treedepth</a:t>
+            </a:r>
+            <a:r>
+              <a:rPr lang="en-US" dirty="0" smtClean="0"/>
+              <a:t>=12: </a:t>
+            </a:r>
+            <a:r>
+              <a:rPr lang="en-US" dirty="0" smtClean="0"/>
+              <a:t>Maximum tree depth. </a:t>
             </a:r>
           </a:p>
           <a:p>
             <a:pPr lvl="1"/>
             <a:r>
               <a:rPr lang="en-US" dirty="0" smtClean="0"/>
-              <a:t>Delta=0.6: The target acceptance rate.</a:t>
-            </a:r>
-          </a:p>
-          <a:p>
-            <a:pPr lvl="1"/>
-            <a:r>
-              <a:rPr lang="el-GR" dirty="0" smtClean="0"/>
-              <a:t>γ</a:t>
-            </a:r>
-            <a:r>
-              <a:rPr lang="en-US" dirty="0" smtClean="0"/>
-              <a:t>=0.05, </a:t>
-            </a:r>
-            <a:r>
-              <a:rPr lang="el-GR" dirty="0" smtClean="0"/>
-              <a:t>κ</a:t>
-            </a:r>
-            <a:r>
-              <a:rPr lang="en-US" dirty="0" smtClean="0"/>
-              <a:t>=0.75, t</a:t>
-            </a:r>
-            <a:r>
-              <a:rPr lang="en-US" baseline="-25000" dirty="0" smtClean="0"/>
-              <a:t>0</a:t>
-            </a:r>
-            <a:r>
-              <a:rPr lang="en-US" dirty="0" smtClean="0"/>
-              <a:t>=10: For dual averaging</a:t>
-            </a:r>
+              <a:t>Delta=0.8: </a:t>
+            </a:r>
+            <a:r>
+              <a:rPr lang="en-US" dirty="0" smtClean="0"/>
+              <a:t>The target acceptance </a:t>
+            </a:r>
+            <a:r>
+              <a:rPr lang="en-US" dirty="0" smtClean="0"/>
+              <a:t>rate</a:t>
+            </a:r>
+            <a:r>
+              <a:rPr lang="en-US" dirty="0"/>
+              <a:t> </a:t>
+            </a:r>
+            <a:r>
+              <a:rPr lang="en-US" dirty="0" smtClean="0"/>
+              <a:t>(increase toward 1 as needed)</a:t>
+            </a:r>
+            <a:endParaRPr lang="en-US" dirty="0" smtClean="0"/>
           </a:p>
           <a:p>
             <a:r>
@@ -13230,7 +11815,7 @@
 </p:sld>
 </file>
 
-<file path=ppt/slides/slide34.xml><?xml version="1.0" encoding="utf-8"?>
+<file path=ppt/slides/slide3.xml><?xml version="1.0" encoding="utf-8"?>
 <p:sld xmlns:a="http://schemas.openxmlformats.org/drawingml/2006/main" xmlns:r="http://schemas.openxmlformats.org/officeDocument/2006/relationships" xmlns:p="http://schemas.openxmlformats.org/presentationml/2006/main">
   <p:cSld>
     <p:spTree>
@@ -13263,10 +11848,10 @@
           <a:lstStyle/>
           <a:p>
             <a:r>
-              <a:rPr lang="en-US" dirty="0" smtClean="0"/>
-              <a:t>Performance Comparison</a:t>
-            </a:r>
-            <a:endParaRPr lang="en-US" dirty="0"/>
+              <a:rPr lang="en-US" sz="3600" dirty="0" smtClean="0"/>
+              <a:t>Stan: the new frontier in Bayesian analysis</a:t>
+            </a:r>
+            <a:endParaRPr lang="en-US" sz="3600" dirty="0"/>
           </a:p>
         </p:txBody>
       </p:sp>
@@ -13282,8 +11867,8 @@
         </p:nvSpPr>
         <p:spPr>
           <a:xfrm>
-            <a:off x="457200" y="4343400"/>
-            <a:ext cx="8229600" cy="1782763"/>
+            <a:off x="3597965" y="1600200"/>
+            <a:ext cx="5267739" cy="4530725"/>
           </a:xfrm>
         </p:spPr>
         <p:txBody>
@@ -13292,108 +11877,144 @@
           <a:p>
             <a:r>
               <a:rPr lang="en-US" dirty="0" smtClean="0"/>
-              <a:t>250 dimension MVN.</a:t>
-            </a:r>
-          </a:p>
-          <a:p>
-            <a:r>
-              <a:rPr lang="en-US" dirty="0" smtClean="0"/>
-              <a:t>1M RWM and Gibbs samples thinned to 1000</a:t>
-            </a:r>
-          </a:p>
-          <a:p>
-            <a:r>
-              <a:rPr lang="en-US" dirty="0" smtClean="0"/>
-              <a:t>1000 NUTS samples</a:t>
-            </a:r>
+              <a:t>Stan is growing rapidly compared to other programs</a:t>
+            </a:r>
+          </a:p>
+          <a:p>
+            <a:r>
+              <a:rPr lang="en-US" dirty="0" smtClean="0"/>
+              <a:t>Stan is more than software:</a:t>
+            </a:r>
+          </a:p>
+          <a:p>
+            <a:pPr lvl="1"/>
+            <a:r>
+              <a:rPr lang="en-US" dirty="0" smtClean="0"/>
+              <a:t>Valuable resources</a:t>
+            </a:r>
+          </a:p>
+          <a:p>
+            <a:pPr lvl="1"/>
+            <a:r>
+              <a:rPr lang="en-US" dirty="0" smtClean="0"/>
+              <a:t>Helpful community</a:t>
+            </a:r>
+          </a:p>
+          <a:p>
+            <a:pPr lvl="1"/>
+            <a:r>
+              <a:rPr lang="en-US" dirty="0" smtClean="0"/>
+              <a:t>Development of methods</a:t>
+            </a:r>
+          </a:p>
+          <a:p>
+            <a:pPr lvl="1"/>
+            <a:r>
+              <a:rPr lang="en-US" dirty="0" smtClean="0"/>
+              <a:t>Suite of supporting software</a:t>
+            </a:r>
+          </a:p>
+          <a:p>
+            <a:pPr marL="344487" lvl="1" indent="0">
+              <a:buNone/>
+            </a:pPr>
             <a:endParaRPr lang="en-US" dirty="0"/>
+          </a:p>
+        </p:txBody>
+      </p:sp>
+      <p:sp>
+        <p:nvSpPr>
+          <p:cNvPr id="4" name="Slide Number Placeholder 3"/>
+          <p:cNvSpPr>
+            <a:spLocks noGrp="1"/>
+          </p:cNvSpPr>
+          <p:nvPr>
+            <p:ph type="sldNum" sz="quarter" idx="12"/>
+          </p:nvPr>
+        </p:nvSpPr>
+        <p:spPr/>
+        <p:txBody>
+          <a:bodyPr/>
+          <a:lstStyle/>
+          <a:p>
+            <a:fld id="{A90099C9-4CB8-9A40-B745-9AB270505907}" type="slidenum">
+              <a:rPr lang="en-US" smtClean="0"/>
+              <a:t>3</a:t>
+            </a:fld>
+            <a:endParaRPr lang="en-US"/>
           </a:p>
         </p:txBody>
       </p:sp>
       <p:pic>
         <p:nvPicPr>
-          <p:cNvPr id="4" name="Picture 3"/>
+          <p:cNvPr id="6" name="Content Placeholder 4"/>
           <p:cNvPicPr>
             <a:picLocks noChangeAspect="1"/>
           </p:cNvPicPr>
           <p:nvPr/>
         </p:nvPicPr>
         <p:blipFill>
-          <a:blip r:embed="rId2"/>
+          <a:blip r:embed="rId2">
+            <a:extLst>
+              <a:ext uri="{28A0092B-C50C-407E-A947-70E740481C1C}">
+                <a14:useLocalDpi xmlns:a14="http://schemas.microsoft.com/office/drawing/2010/main" val="0"/>
+              </a:ext>
+            </a:extLst>
+          </a:blip>
           <a:stretch>
             <a:fillRect/>
           </a:stretch>
         </p:blipFill>
-        <p:spPr>
+        <p:spPr bwMode="auto">
           <a:xfrm>
-            <a:off x="240983" y="1417638"/>
-            <a:ext cx="8415337" cy="2689857"/>
-          </a:xfrm>
-          <a:prstGeom prst="rect">
-            <a:avLst/>
-          </a:prstGeom>
-        </p:spPr>
-      </p:pic>
-      <p:sp>
-        <p:nvSpPr>
-          <p:cNvPr id="5" name="TextBox 4"/>
-          <p:cNvSpPr txBox="1"/>
-          <p:nvPr/>
-        </p:nvSpPr>
-        <p:spPr>
-          <a:xfrm>
-            <a:off x="4419600" y="6460917"/>
-            <a:ext cx="4724400" cy="369332"/>
+            <a:off x="0" y="1318597"/>
+            <a:ext cx="3674798" cy="5251426"/>
           </a:xfrm>
           <a:prstGeom prst="rect">
             <a:avLst/>
           </a:prstGeom>
           <a:noFill/>
-        </p:spPr>
-        <p:txBody>
-          <a:bodyPr wrap="square" rtlCol="0">
-            <a:spAutoFit/>
-          </a:bodyPr>
-          <a:lstStyle/>
-          <a:p>
-            <a:pPr algn="r"/>
-            <a:r>
-              <a:rPr lang="en-US" dirty="0" smtClean="0"/>
-              <a:t>Fig 7, Hoffman and </a:t>
-            </a:r>
-            <a:r>
-              <a:rPr lang="en-US" dirty="0" err="1" smtClean="0"/>
-              <a:t>Gelman</a:t>
-            </a:r>
-            <a:r>
-              <a:rPr lang="en-US" dirty="0" smtClean="0"/>
-              <a:t> (2011)</a:t>
-            </a:r>
-            <a:endParaRPr lang="en-US" dirty="0"/>
-          </a:p>
-        </p:txBody>
-      </p:sp>
+          <a:ln>
+            <a:noFill/>
+          </a:ln>
+          <a:extLst>
+            <a:ext uri="{FAA26D3D-D897-4be2-8F04-BA451C77F1D7}">
+              <ma14:placeholderFlag xmlns="" xmlns:ma14="http://schemas.microsoft.com/office/mac/drawingml/2011/main" val="1"/>
+            </a:ext>
+            <a:ext uri="{909E8E84-426E-40dd-AFC4-6F175D3DCCD1}">
+              <a14:hiddenFill xmlns="" xmlns:a14="http://schemas.microsoft.com/office/drawing/2010/main">
+                <a:solidFill>
+                  <a:srgbClr val="FFFFFF"/>
+                </a:solidFill>
+              </a14:hiddenFill>
+            </a:ext>
+            <a:ext uri="{91240B29-F687-4f45-9708-019B960494DF}">
+              <a14:hiddenLine xmlns="" xmlns:a14="http://schemas.microsoft.com/office/drawing/2010/main" w="9525">
+                <a:solidFill>
+                  <a:srgbClr val="000000"/>
+                </a:solidFill>
+                <a:miter lim="800000"/>
+                <a:headEnd/>
+                <a:tailEnd/>
+              </a14:hiddenLine>
+            </a:ext>
+          </a:extLst>
+        </p:spPr>
+      </p:pic>
     </p:spTree>
     <p:extLst>
       <p:ext uri="{BB962C8B-B14F-4D97-AF65-F5344CB8AC3E}">
-        <p14:creationId xmlns:p14="http://schemas.microsoft.com/office/powerpoint/2010/main" val="1589079076"/>
+        <p14:creationId xmlns:p14="http://schemas.microsoft.com/office/powerpoint/2010/main" val="3075704175"/>
       </p:ext>
     </p:extLst>
   </p:cSld>
   <p:clrMapOvr>
     <a:masterClrMapping/>
   </p:clrMapOvr>
-  <p:timing>
-    <p:tnLst>
-      <p:par>
-        <p:cTn id="1" dur="indefinite" restart="never" nodeType="tmRoot"/>
-      </p:par>
-    </p:tnLst>
-  </p:timing>
 </p:sld>
 </file>
 
-<file path=ppt/slides/slide35.xml><?xml version="1.0" encoding="utf-8"?>
+<file path=ppt/slides/slide30.xml><?xml version="1.0" encoding="utf-8"?>
 <p:sld xmlns:a="http://schemas.openxmlformats.org/drawingml/2006/main" xmlns:r="http://schemas.openxmlformats.org/officeDocument/2006/relationships" xmlns:p="http://schemas.openxmlformats.org/presentationml/2006/main">
   <p:cSld>
     <p:spTree>
@@ -13427,7 +12048,7 @@
           <a:p>
             <a:r>
               <a:rPr lang="en-US" dirty="0" smtClean="0"/>
-              <a:t>Concluding thoughts</a:t>
+              <a:t>Divergent transitions indicate issues</a:t>
             </a:r>
             <a:endParaRPr lang="en-US" dirty="0"/>
           </a:p>
@@ -13435,17 +12056,517 @@
       </p:sp>
       <p:sp>
         <p:nvSpPr>
-          <p:cNvPr id="3" name="Content Placeholder 2"/>
+          <p:cNvPr id="4" name="Slide Number Placeholder 3"/>
           <p:cNvSpPr>
             <a:spLocks noGrp="1"/>
           </p:cNvSpPr>
           <p:nvPr>
+            <p:ph type="sldNum" sz="quarter" idx="12"/>
+          </p:nvPr>
+        </p:nvSpPr>
+        <p:spPr/>
+        <p:txBody>
+          <a:bodyPr/>
+          <a:lstStyle/>
+          <a:p>
+            <a:fld id="{A90099C9-4CB8-9A40-B745-9AB270505907}" type="slidenum">
+              <a:rPr lang="en-US" smtClean="0"/>
+              <a:t>30</a:t>
+            </a:fld>
+            <a:endParaRPr lang="en-US"/>
+          </a:p>
+        </p:txBody>
+      </p:sp>
+      <p:sp>
+        <p:nvSpPr>
+          <p:cNvPr id="6" name="Content Placeholder 5"/>
+          <p:cNvSpPr>
+            <a:spLocks noGrp="1"/>
+          </p:cNvSpPr>
+          <p:nvPr>
             <p:ph idx="1"/>
           </p:nvPr>
         </p:nvSpPr>
+        <p:spPr/>
+        <p:txBody>
+          <a:bodyPr/>
+          <a:lstStyle/>
+          <a:p>
+            <a:r>
+              <a:rPr lang="en-US" dirty="0" smtClean="0"/>
+              <a:t>Divergences occur when a trajectory hits a region of high curvature and the total energy goes to infinity</a:t>
+            </a:r>
+          </a:p>
+          <a:p>
+            <a:r>
+              <a:rPr lang="en-US" dirty="0" smtClean="0"/>
+              <a:t>This diagnostic tells us the MCMC sampler may be biased </a:t>
+            </a:r>
+          </a:p>
+          <a:p>
+            <a:r>
+              <a:rPr lang="en-US" dirty="0" smtClean="0"/>
+              <a:t>Try rerunning with a higher </a:t>
+            </a:r>
+            <a:r>
+              <a:rPr lang="en-US" dirty="0" err="1" smtClean="0"/>
+              <a:t>adapt_delta</a:t>
+            </a:r>
+            <a:endParaRPr lang="en-US" dirty="0"/>
+          </a:p>
+          <a:p>
+            <a:r>
+              <a:rPr lang="en-US" dirty="0" smtClean="0"/>
+              <a:t>Or reparametrize if possible</a:t>
+            </a:r>
+            <a:endParaRPr lang="en-US" dirty="0"/>
+          </a:p>
+        </p:txBody>
+      </p:sp>
+    </p:spTree>
+    <p:extLst>
+      <p:ext uri="{BB962C8B-B14F-4D97-AF65-F5344CB8AC3E}">
+        <p14:creationId xmlns:p14="http://schemas.microsoft.com/office/powerpoint/2010/main" val="299245446"/>
+      </p:ext>
+    </p:extLst>
+  </p:cSld>
+  <p:clrMapOvr>
+    <a:masterClrMapping/>
+  </p:clrMapOvr>
+</p:sld>
+</file>
+
+<file path=ppt/slides/slide31.xml><?xml version="1.0" encoding="utf-8"?>
+<p:sld xmlns:a="http://schemas.openxmlformats.org/drawingml/2006/main" xmlns:r="http://schemas.openxmlformats.org/officeDocument/2006/relationships" xmlns:p="http://schemas.openxmlformats.org/presentationml/2006/main">
+  <p:cSld>
+    <p:spTree>
+      <p:nvGrpSpPr>
+        <p:cNvPr id="1" name=""/>
+        <p:cNvGrpSpPr/>
+        <p:nvPr/>
+      </p:nvGrpSpPr>
+      <p:grpSpPr>
+        <a:xfrm>
+          <a:off x="0" y="0"/>
+          <a:ext cx="0" cy="0"/>
+          <a:chOff x="0" y="0"/>
+          <a:chExt cx="0" cy="0"/>
+        </a:xfrm>
+      </p:grpSpPr>
+      <p:sp>
+        <p:nvSpPr>
+          <p:cNvPr id="2" name="Title 1"/>
+          <p:cNvSpPr>
+            <a:spLocks noGrp="1"/>
+          </p:cNvSpPr>
+          <p:nvPr>
+            <p:ph type="title"/>
+          </p:nvPr>
+        </p:nvSpPr>
+        <p:spPr/>
+        <p:txBody>
+          <a:bodyPr/>
+          <a:lstStyle/>
+          <a:p>
+            <a:r>
+              <a:rPr lang="en-US" dirty="0" smtClean="0"/>
+              <a:t>Divergent transitions indicate issues</a:t>
+            </a:r>
+            <a:endParaRPr lang="en-US" dirty="0"/>
+          </a:p>
+        </p:txBody>
+      </p:sp>
+      <p:pic>
+        <p:nvPicPr>
+          <p:cNvPr id="5" name="Content Placeholder 4"/>
+          <p:cNvPicPr>
+            <a:picLocks noGrp="1" noChangeAspect="1"/>
+          </p:cNvPicPr>
+          <p:nvPr>
+            <p:ph idx="1"/>
+          </p:nvPr>
+        </p:nvPicPr>
+        <p:blipFill>
+          <a:blip r:embed="rId2">
+            <a:extLst>
+              <a:ext uri="{28A0092B-C50C-407E-A947-70E740481C1C}">
+                <a14:useLocalDpi xmlns:a14="http://schemas.microsoft.com/office/drawing/2010/main" val="0"/>
+              </a:ext>
+            </a:extLst>
+          </a:blip>
+          <a:stretch>
+            <a:fillRect/>
+          </a:stretch>
+        </p:blipFill>
         <p:spPr>
           <a:xfrm>
-            <a:off x="457200" y="1600200"/>
+            <a:off x="258418" y="1046233"/>
+            <a:ext cx="5197405" cy="5197405"/>
+          </a:xfrm>
+        </p:spPr>
+      </p:pic>
+      <p:sp>
+        <p:nvSpPr>
+          <p:cNvPr id="4" name="Slide Number Placeholder 3"/>
+          <p:cNvSpPr>
+            <a:spLocks noGrp="1"/>
+          </p:cNvSpPr>
+          <p:nvPr>
+            <p:ph type="sldNum" sz="quarter" idx="12"/>
+          </p:nvPr>
+        </p:nvSpPr>
+        <p:spPr/>
+        <p:txBody>
+          <a:bodyPr/>
+          <a:lstStyle/>
+          <a:p>
+            <a:fld id="{A90099C9-4CB8-9A40-B745-9AB270505907}" type="slidenum">
+              <a:rPr lang="en-US" smtClean="0"/>
+              <a:t>31</a:t>
+            </a:fld>
+            <a:endParaRPr lang="en-US"/>
+          </a:p>
+        </p:txBody>
+      </p:sp>
+      <p:sp>
+        <p:nvSpPr>
+          <p:cNvPr id="6" name="Content Placeholder 5"/>
+          <p:cNvSpPr txBox="1">
+            <a:spLocks/>
+          </p:cNvSpPr>
+          <p:nvPr/>
+        </p:nvSpPr>
+        <p:spPr bwMode="auto">
+          <a:xfrm>
+            <a:off x="5455823" y="1245016"/>
+            <a:ext cx="3230977" cy="4530725"/>
+          </a:xfrm>
+          <a:prstGeom prst="rect">
+            <a:avLst/>
+          </a:prstGeom>
+          <a:noFill/>
+          <a:ln>
+            <a:noFill/>
+          </a:ln>
+          <a:extLst>
+            <a:ext uri="{FAA26D3D-D897-4be2-8F04-BA451C77F1D7}">
+              <ma14:placeholderFlag xmlns="" xmlns:ma14="http://schemas.microsoft.com/office/mac/drawingml/2011/main" val="1"/>
+            </a:ext>
+            <a:ext uri="{909E8E84-426E-40dd-AFC4-6F175D3DCCD1}">
+              <a14:hiddenFill xmlns="" xmlns:a14="http://schemas.microsoft.com/office/drawing/2010/main">
+                <a:solidFill>
+                  <a:srgbClr val="FFFFFF"/>
+                </a:solidFill>
+              </a14:hiddenFill>
+            </a:ext>
+            <a:ext uri="{91240B29-F687-4f45-9708-019B960494DF}">
+              <a14:hiddenLine xmlns="" xmlns:a14="http://schemas.microsoft.com/office/drawing/2010/main" w="9525">
+                <a:solidFill>
+                  <a:srgbClr val="000000"/>
+                </a:solidFill>
+                <a:miter lim="800000"/>
+                <a:headEnd/>
+                <a:tailEnd/>
+              </a14:hiddenLine>
+            </a:ext>
+          </a:extLst>
+        </p:spPr>
+        <p:txBody>
+          <a:bodyPr vert="horz" wrap="square" lIns="91440" tIns="45720" rIns="91440" bIns="45720" numCol="1" anchor="t" anchorCtr="0" compatLnSpc="1">
+            <a:prstTxWarp prst="textNoShape">
+              <a:avLst/>
+            </a:prstTxWarp>
+          </a:bodyPr>
+          <a:lstStyle>
+            <a:lvl1pPr marL="342900" indent="-342900" algn="l" rtl="0" eaLnBrk="1" fontAlgn="base" hangingPunct="1">
+              <a:spcBef>
+                <a:spcPct val="20000"/>
+              </a:spcBef>
+              <a:spcAft>
+                <a:spcPct val="0"/>
+              </a:spcAft>
+              <a:buClr>
+                <a:schemeClr val="accent1"/>
+              </a:buClr>
+              <a:buSzPct val="65000"/>
+              <a:buFont typeface="Wingdings" charset="0"/>
+              <a:buChar char="n"/>
+              <a:defRPr sz="3000">
+                <a:solidFill>
+                  <a:schemeClr val="tx1"/>
+                </a:solidFill>
+                <a:latin typeface="+mn-lt"/>
+                <a:ea typeface="ＭＳ Ｐゴシック" charset="0"/>
+                <a:cs typeface="ＭＳ Ｐゴシック" charset="0"/>
+              </a:defRPr>
+            </a:lvl1pPr>
+            <a:lvl2pPr marL="669925" indent="-325438" algn="l" rtl="0" eaLnBrk="1" fontAlgn="base" hangingPunct="1">
+              <a:spcBef>
+                <a:spcPct val="20000"/>
+              </a:spcBef>
+              <a:spcAft>
+                <a:spcPct val="0"/>
+              </a:spcAft>
+              <a:buClr>
+                <a:schemeClr val="accent2"/>
+              </a:buClr>
+              <a:buSzPct val="60000"/>
+              <a:buFont typeface="Wingdings" charset="0"/>
+              <a:buChar char="q"/>
+              <a:defRPr sz="2600">
+                <a:solidFill>
+                  <a:schemeClr val="tx1"/>
+                </a:solidFill>
+                <a:latin typeface="+mn-lt"/>
+                <a:ea typeface="ＭＳ Ｐゴシック" charset="0"/>
+              </a:defRPr>
+            </a:lvl2pPr>
+            <a:lvl3pPr marL="1022350" indent="-350838" algn="l" rtl="0" eaLnBrk="1" fontAlgn="base" hangingPunct="1">
+              <a:spcBef>
+                <a:spcPct val="20000"/>
+              </a:spcBef>
+              <a:spcAft>
+                <a:spcPct val="0"/>
+              </a:spcAft>
+              <a:buClr>
+                <a:schemeClr val="accent1"/>
+              </a:buClr>
+              <a:buSzPct val="65000"/>
+              <a:buFont typeface="Wingdings" charset="0"/>
+              <a:buChar char="n"/>
+              <a:defRPr sz="2200">
+                <a:solidFill>
+                  <a:schemeClr val="tx1"/>
+                </a:solidFill>
+                <a:latin typeface="+mn-lt"/>
+                <a:ea typeface="ＭＳ Ｐゴシック" charset="0"/>
+              </a:defRPr>
+            </a:lvl3pPr>
+            <a:lvl4pPr marL="1339850" indent="-315913" algn="l" rtl="0" eaLnBrk="1" fontAlgn="base" hangingPunct="1">
+              <a:spcBef>
+                <a:spcPct val="20000"/>
+              </a:spcBef>
+              <a:spcAft>
+                <a:spcPct val="0"/>
+              </a:spcAft>
+              <a:buClr>
+                <a:schemeClr val="accent2"/>
+              </a:buClr>
+              <a:buSzPct val="70000"/>
+              <a:buFont typeface="Wingdings" charset="0"/>
+              <a:buChar char="q"/>
+              <a:defRPr sz="2000">
+                <a:solidFill>
+                  <a:schemeClr val="tx1"/>
+                </a:solidFill>
+                <a:latin typeface="+mn-lt"/>
+                <a:ea typeface="ＭＳ Ｐゴシック" charset="0"/>
+              </a:defRPr>
+            </a:lvl4pPr>
+            <a:lvl5pPr marL="1681163" indent="-339725" algn="l" rtl="0" eaLnBrk="1" fontAlgn="base" hangingPunct="1">
+              <a:spcBef>
+                <a:spcPct val="20000"/>
+              </a:spcBef>
+              <a:spcAft>
+                <a:spcPct val="0"/>
+              </a:spcAft>
+              <a:buClr>
+                <a:schemeClr val="accent1"/>
+              </a:buClr>
+              <a:buSzPct val="75000"/>
+              <a:buFont typeface="Wingdings" charset="0"/>
+              <a:buChar char="§"/>
+              <a:defRPr sz="2000">
+                <a:solidFill>
+                  <a:schemeClr val="tx1"/>
+                </a:solidFill>
+                <a:latin typeface="+mn-lt"/>
+                <a:ea typeface="ＭＳ Ｐゴシック" charset="0"/>
+              </a:defRPr>
+            </a:lvl5pPr>
+            <a:lvl6pPr marL="2138363" indent="-339725" algn="l" rtl="0" eaLnBrk="1" fontAlgn="base" hangingPunct="1">
+              <a:spcBef>
+                <a:spcPct val="20000"/>
+              </a:spcBef>
+              <a:spcAft>
+                <a:spcPct val="0"/>
+              </a:spcAft>
+              <a:buClr>
+                <a:schemeClr val="accent1"/>
+              </a:buClr>
+              <a:buSzPct val="75000"/>
+              <a:buFont typeface="Wingdings" pitchFamily="2" charset="2"/>
+              <a:buChar char="§"/>
+              <a:defRPr sz="2000">
+                <a:solidFill>
+                  <a:schemeClr val="tx1"/>
+                </a:solidFill>
+                <a:latin typeface="+mn-lt"/>
+              </a:defRPr>
+            </a:lvl6pPr>
+            <a:lvl7pPr marL="2595563" indent="-339725" algn="l" rtl="0" eaLnBrk="1" fontAlgn="base" hangingPunct="1">
+              <a:spcBef>
+                <a:spcPct val="20000"/>
+              </a:spcBef>
+              <a:spcAft>
+                <a:spcPct val="0"/>
+              </a:spcAft>
+              <a:buClr>
+                <a:schemeClr val="accent1"/>
+              </a:buClr>
+              <a:buSzPct val="75000"/>
+              <a:buFont typeface="Wingdings" pitchFamily="2" charset="2"/>
+              <a:buChar char="§"/>
+              <a:defRPr sz="2000">
+                <a:solidFill>
+                  <a:schemeClr val="tx1"/>
+                </a:solidFill>
+                <a:latin typeface="+mn-lt"/>
+              </a:defRPr>
+            </a:lvl7pPr>
+            <a:lvl8pPr marL="3052763" indent="-339725" algn="l" rtl="0" eaLnBrk="1" fontAlgn="base" hangingPunct="1">
+              <a:spcBef>
+                <a:spcPct val="20000"/>
+              </a:spcBef>
+              <a:spcAft>
+                <a:spcPct val="0"/>
+              </a:spcAft>
+              <a:buClr>
+                <a:schemeClr val="accent1"/>
+              </a:buClr>
+              <a:buSzPct val="75000"/>
+              <a:buFont typeface="Wingdings" pitchFamily="2" charset="2"/>
+              <a:buChar char="§"/>
+              <a:defRPr sz="2000">
+                <a:solidFill>
+                  <a:schemeClr val="tx1"/>
+                </a:solidFill>
+                <a:latin typeface="+mn-lt"/>
+              </a:defRPr>
+            </a:lvl8pPr>
+            <a:lvl9pPr marL="3509963" indent="-339725" algn="l" rtl="0" eaLnBrk="1" fontAlgn="base" hangingPunct="1">
+              <a:spcBef>
+                <a:spcPct val="20000"/>
+              </a:spcBef>
+              <a:spcAft>
+                <a:spcPct val="0"/>
+              </a:spcAft>
+              <a:buClr>
+                <a:schemeClr val="accent1"/>
+              </a:buClr>
+              <a:buSzPct val="75000"/>
+              <a:buFont typeface="Wingdings" pitchFamily="2" charset="2"/>
+              <a:buChar char="§"/>
+              <a:defRPr sz="2000">
+                <a:solidFill>
+                  <a:schemeClr val="tx1"/>
+                </a:solidFill>
+                <a:latin typeface="+mn-lt"/>
+              </a:defRPr>
+            </a:lvl9pPr>
+          </a:lstStyle>
+          <a:p>
+            <a:pPr defTabSz="914400"/>
+            <a:r>
+              <a:rPr lang="en-US" sz="2000" kern="0" dirty="0" smtClean="0"/>
+              <a:t>This is a non-linear mixed effects growth model</a:t>
+            </a:r>
+          </a:p>
+          <a:p>
+            <a:pPr defTabSz="914400"/>
+            <a:r>
+              <a:rPr lang="en-US" sz="2000" kern="0" dirty="0" smtClean="0"/>
+              <a:t>There are two ways to parametrize the random effects: ‘centered’ and ‘non-centered’ </a:t>
+            </a:r>
+          </a:p>
+          <a:p>
+            <a:pPr defTabSz="914400"/>
+            <a:r>
+              <a:rPr lang="en-US" sz="2000" kern="0" dirty="0" smtClean="0"/>
+              <a:t>The non-centered version has divergences and bias </a:t>
+            </a:r>
+          </a:p>
+          <a:p>
+            <a:pPr defTabSz="914400"/>
+            <a:r>
+              <a:rPr lang="en-US" sz="2000" kern="0" dirty="0" smtClean="0"/>
+              <a:t>Non-centering fixes this and is a recommended solution</a:t>
+            </a:r>
+          </a:p>
+          <a:p>
+            <a:pPr marL="0" indent="0" defTabSz="914400">
+              <a:buNone/>
+            </a:pPr>
+            <a:endParaRPr lang="en-US" sz="2000" kern="0" dirty="0"/>
+          </a:p>
+        </p:txBody>
+      </p:sp>
+    </p:spTree>
+    <p:extLst>
+      <p:ext uri="{BB962C8B-B14F-4D97-AF65-F5344CB8AC3E}">
+        <p14:creationId xmlns:p14="http://schemas.microsoft.com/office/powerpoint/2010/main" val="1167407031"/>
+      </p:ext>
+    </p:extLst>
+  </p:cSld>
+  <p:clrMapOvr>
+    <a:masterClrMapping/>
+  </p:clrMapOvr>
+</p:sld>
+</file>
+
+<file path=ppt/slides/slide32.xml><?xml version="1.0" encoding="utf-8"?>
+<p:sld xmlns:a="http://schemas.openxmlformats.org/drawingml/2006/main" xmlns:r="http://schemas.openxmlformats.org/officeDocument/2006/relationships" xmlns:p="http://schemas.openxmlformats.org/presentationml/2006/main">
+  <p:cSld>
+    <p:spTree>
+      <p:nvGrpSpPr>
+        <p:cNvPr id="1" name=""/>
+        <p:cNvGrpSpPr/>
+        <p:nvPr/>
+      </p:nvGrpSpPr>
+      <p:grpSpPr>
+        <a:xfrm>
+          <a:off x="0" y="0"/>
+          <a:ext cx="0" cy="0"/>
+          <a:chOff x="0" y="0"/>
+          <a:chExt cx="0" cy="0"/>
+        </a:xfrm>
+      </p:grpSpPr>
+      <p:sp>
+        <p:nvSpPr>
+          <p:cNvPr id="2" name="Title 1"/>
+          <p:cNvSpPr>
+            <a:spLocks noGrp="1"/>
+          </p:cNvSpPr>
+          <p:nvPr>
+            <p:ph type="title"/>
+          </p:nvPr>
+        </p:nvSpPr>
+        <p:spPr/>
+        <p:txBody>
+          <a:bodyPr/>
+          <a:lstStyle/>
+          <a:p>
+            <a:r>
+              <a:rPr lang="en-US" dirty="0" smtClean="0"/>
+              <a:t>Concluding thoughts</a:t>
+            </a:r>
+            <a:endParaRPr lang="en-US" dirty="0"/>
+          </a:p>
+        </p:txBody>
+      </p:sp>
+      <p:sp>
+        <p:nvSpPr>
+          <p:cNvPr id="3" name="Content Placeholder 2"/>
+          <p:cNvSpPr>
+            <a:spLocks noGrp="1"/>
+          </p:cNvSpPr>
+          <p:nvPr>
+            <p:ph idx="1"/>
+          </p:nvPr>
+        </p:nvSpPr>
+        <p:spPr>
+          <a:xfrm>
+            <a:off x="457200" y="1311965"/>
             <a:ext cx="8229600" cy="3962400"/>
           </a:xfrm>
         </p:spPr>
@@ -13457,13 +12578,26 @@
           <a:p>
             <a:r>
               <a:rPr lang="en-US" dirty="0" smtClean="0"/>
-              <a:t>These algorithms are extremely sophisticated</a:t>
-            </a:r>
-          </a:p>
-          <a:p>
-            <a:r>
-              <a:rPr lang="en-US" dirty="0" smtClean="0"/>
-              <a:t>However, a basic understanding helps interpret and diagnose output</a:t>
+              <a:t>HMC/NUTS are </a:t>
+            </a:r>
+            <a:r>
+              <a:rPr lang="en-US" dirty="0" smtClean="0"/>
+              <a:t>extremely </a:t>
+            </a:r>
+            <a:r>
+              <a:rPr lang="en-US" dirty="0" smtClean="0"/>
+              <a:t>sophisticated and powerful MCMC algorithms</a:t>
+            </a:r>
+            <a:endParaRPr lang="en-US" dirty="0" smtClean="0"/>
+          </a:p>
+          <a:p>
+            <a:r>
+              <a:rPr lang="en-US" dirty="0" smtClean="0"/>
+              <a:t>A </a:t>
+            </a:r>
+            <a:r>
+              <a:rPr lang="en-US" dirty="0" smtClean="0"/>
+              <a:t>basic understanding helps interpret and diagnose output</a:t>
             </a:r>
           </a:p>
           <a:p>
@@ -13475,14 +12609,13 @@
           <a:p>
             <a:r>
               <a:rPr lang="en-US" dirty="0" smtClean="0"/>
-              <a:t>TMB is replacing ADMB as flexible platform</a:t>
-            </a:r>
-          </a:p>
-          <a:p>
-            <a:r>
-              <a:rPr lang="en-US" dirty="0" smtClean="0"/>
-              <a:t>I found that Stan inconsistently outperforms JAGS, and is more finicky in general. </a:t>
-            </a:r>
+              <a:t>Stan’s </a:t>
+            </a:r>
+            <a:r>
+              <a:rPr lang="en-US" dirty="0" smtClean="0"/>
+              <a:t>divergences warning of bias (good)</a:t>
+            </a:r>
+            <a:endParaRPr lang="en-US" dirty="0" smtClean="0"/>
           </a:p>
           <a:p>
             <a:pPr marL="0" indent="0">
@@ -13500,7 +12633,7 @@
         </p:nvSpPr>
         <p:spPr>
           <a:xfrm>
-            <a:off x="762000" y="5715000"/>
+            <a:off x="682487" y="4979504"/>
             <a:ext cx="7620000" cy="954107"/>
           </a:xfrm>
           <a:prstGeom prst="rect">
@@ -13555,7 +12688,7 @@
 </p:sld>
 </file>
 
-<file path=ppt/slides/slide36.xml><?xml version="1.0" encoding="utf-8"?>
+<file path=ppt/slides/slide33.xml><?xml version="1.0" encoding="utf-8"?>
 <p:sld xmlns:a="http://schemas.openxmlformats.org/drawingml/2006/main" xmlns:r="http://schemas.openxmlformats.org/officeDocument/2006/relationships" xmlns:p="http://schemas.openxmlformats.org/presentationml/2006/main">
   <p:cSld>
     <p:spTree>
@@ -13589,7 +12722,7 @@
           <a:p>
             <a:r>
               <a:rPr lang="en-US" dirty="0" smtClean="0"/>
-              <a:t>Acknowledgements</a:t>
+              <a:t>References</a:t>
             </a:r>
             <a:endParaRPr lang="en-US" dirty="0"/>
           </a:p>
@@ -13605,295 +12738,154 @@
             <p:ph idx="1"/>
           </p:nvPr>
         </p:nvSpPr>
-        <p:spPr/>
+        <p:spPr>
+          <a:xfrm>
+            <a:off x="457200" y="1123121"/>
+            <a:ext cx="8229600" cy="4530725"/>
+          </a:xfrm>
+        </p:spPr>
         <p:txBody>
           <a:bodyPr/>
           <a:lstStyle/>
           <a:p>
             <a:r>
-              <a:rPr lang="en-US" dirty="0" smtClean="0"/>
-              <a:t>Jim Thorson</a:t>
-            </a:r>
-          </a:p>
-          <a:p>
-            <a:pPr lvl="1"/>
-            <a:r>
-              <a:rPr lang="en-US" dirty="0" smtClean="0"/>
-              <a:t>Advice and guidance</a:t>
-            </a:r>
-          </a:p>
-          <a:p>
-            <a:r>
-              <a:rPr lang="en-US" dirty="0" smtClean="0"/>
-              <a:t>Kasper Christensen, Hans </a:t>
-            </a:r>
-            <a:r>
-              <a:rPr lang="en-US" dirty="0" err="1" smtClean="0"/>
-              <a:t>Skaug</a:t>
-            </a:r>
-            <a:endParaRPr lang="en-US" dirty="0" smtClean="0"/>
-          </a:p>
-          <a:p>
-            <a:pPr lvl="1"/>
-            <a:r>
-              <a:rPr lang="en-US" dirty="0" smtClean="0"/>
-              <a:t>Advice and help integrating with TMB</a:t>
-            </a:r>
-          </a:p>
-          <a:p>
-            <a:pPr lvl="1"/>
-            <a:endParaRPr lang="en-US" dirty="0"/>
-          </a:p>
-        </p:txBody>
-      </p:sp>
-      <p:pic>
-        <p:nvPicPr>
-          <p:cNvPr id="4" name="Picture 3" descr="C:\Users\Cole\Dropbox\Research\NEP Blue Whales\QERM talk\Equation_black_small.png"/>
-          <p:cNvPicPr>
-            <a:picLocks noChangeAspect="1" noChangeArrowheads="1"/>
-          </p:cNvPicPr>
-          <p:nvPr/>
-        </p:nvPicPr>
-        <p:blipFill>
-          <a:blip r:embed="rId2" cstate="print">
-            <a:extLst>
-              <a:ext uri="{28A0092B-C50C-407E-A947-70E740481C1C}">
-                <a14:useLocalDpi xmlns:a14="http://schemas.microsoft.com/office/drawing/2010/main" val="0"/>
-              </a:ext>
-            </a:extLst>
-          </a:blip>
-          <a:srcRect/>
-          <a:stretch>
-            <a:fillRect/>
-          </a:stretch>
-        </p:blipFill>
-        <p:spPr bwMode="auto">
-          <a:xfrm>
-            <a:off x="0" y="5137362"/>
-            <a:ext cx="3428147" cy="1571230"/>
-          </a:xfrm>
-          <a:prstGeom prst="rect">
-            <a:avLst/>
-          </a:prstGeom>
-          <a:noFill/>
-          <a:extLst>
-            <a:ext uri="{909E8E84-426E-40DD-AFC4-6F175D3DCCD1}">
-              <a14:hiddenFill xmlns:a14="http://schemas.microsoft.com/office/drawing/2010/main">
-                <a:solidFill>
-                  <a:srgbClr val="FFFFFF"/>
-                </a:solidFill>
-              </a14:hiddenFill>
-            </a:ext>
-          </a:extLst>
-        </p:spPr>
-      </p:pic>
-      <p:sp>
-        <p:nvSpPr>
-          <p:cNvPr id="5" name="TextBox 4"/>
-          <p:cNvSpPr txBox="1"/>
-          <p:nvPr/>
-        </p:nvSpPr>
-        <p:spPr>
-          <a:xfrm>
-            <a:off x="5867400" y="4801850"/>
-            <a:ext cx="3962400" cy="1446550"/>
-          </a:xfrm>
-          <a:prstGeom prst="rect">
-            <a:avLst/>
-          </a:prstGeom>
-          <a:noFill/>
-        </p:spPr>
-        <p:txBody>
-          <a:bodyPr wrap="square" rtlCol="0">
-            <a:spAutoFit/>
-          </a:bodyPr>
+              <a:rPr lang="en-US" sz="2000" dirty="0" err="1"/>
+              <a:t>Monnahan</a:t>
+            </a:r>
+            <a:r>
+              <a:rPr lang="en-US" sz="2000" dirty="0"/>
+              <a:t>, C. C., J. T. Thorson, and T. A. Branch. 2017. Faster estimation of Bayesian models in ecology using Hamiltonian Monte Carlo. Methods in Ecology and Evolution </a:t>
+            </a:r>
+            <a:r>
+              <a:rPr lang="en-US" sz="2000" b="1" dirty="0"/>
+              <a:t>8:339-348.</a:t>
+            </a:r>
+          </a:p>
+          <a:p>
+            <a:r>
+              <a:rPr lang="en-US" sz="2000" dirty="0" err="1"/>
+              <a:t>Papaspiliopoulos</a:t>
+            </a:r>
+            <a:r>
+              <a:rPr lang="en-US" sz="2000" dirty="0"/>
+              <a:t>, O., G. O. Roberts, and M. </a:t>
+            </a:r>
+            <a:r>
+              <a:rPr lang="en-US" sz="2000" dirty="0" err="1"/>
+              <a:t>Skold</a:t>
+            </a:r>
+            <a:r>
+              <a:rPr lang="en-US" sz="2000" dirty="0"/>
+              <a:t>. 2007. A general framework for the parametrization of hierarchical models. Statistical Science </a:t>
+            </a:r>
+            <a:r>
+              <a:rPr lang="en-US" sz="2000" b="1" dirty="0"/>
+              <a:t>22:59-73.</a:t>
+            </a:r>
+          </a:p>
+          <a:p>
+            <a:r>
+              <a:rPr lang="en-US" sz="2000" dirty="0"/>
+              <a:t>Betancourt, M., and M. </a:t>
+            </a:r>
+            <a:r>
+              <a:rPr lang="en-US" sz="2000" dirty="0" err="1"/>
+              <a:t>Girolami</a:t>
+            </a:r>
+            <a:r>
+              <a:rPr lang="en-US" sz="2000" dirty="0"/>
+              <a:t>. 2015. Hamiltonian Monte Carlo for hierarchical models. Current Trends in Bayesian Methodology with Applications:79</a:t>
+            </a:r>
+            <a:r>
+              <a:rPr lang="en-US" sz="2000" dirty="0" smtClean="0"/>
+              <a:t>.</a:t>
+            </a:r>
+          </a:p>
+          <a:p>
+            <a:r>
+              <a:rPr lang="en-US" sz="2000" dirty="0"/>
+              <a:t>Hoffman, M. D., and A. </a:t>
+            </a:r>
+            <a:r>
+              <a:rPr lang="en-US" sz="2000" dirty="0" err="1"/>
+              <a:t>Gelman</a:t>
+            </a:r>
+            <a:r>
+              <a:rPr lang="en-US" sz="2000" dirty="0"/>
+              <a:t>. 2014. The no-U-turn sampler: adaptively setting path lengths in Hamiltonian Monte Carlo. Journal of Machine Learning Research </a:t>
+            </a:r>
+            <a:r>
+              <a:rPr lang="en-US" sz="2000" b="1" dirty="0"/>
+              <a:t>15:1593-1623.</a:t>
+            </a:r>
+          </a:p>
+          <a:p>
+            <a:r>
+              <a:rPr lang="en-US" sz="2000" dirty="0"/>
+              <a:t>Carpenter, B., A. </a:t>
+            </a:r>
+            <a:r>
+              <a:rPr lang="en-US" sz="2000" dirty="0" err="1"/>
+              <a:t>Gelman</a:t>
+            </a:r>
+            <a:r>
+              <a:rPr lang="en-US" sz="2000" dirty="0"/>
+              <a:t>, M. D. Hoffman, D. Lee, B. Goodrich, M. Betancourt, M. Brubaker, J. </a:t>
+            </a:r>
+            <a:r>
+              <a:rPr lang="en-US" sz="2000" dirty="0" err="1"/>
+              <a:t>Guo</a:t>
+            </a:r>
+            <a:r>
+              <a:rPr lang="en-US" sz="2000" dirty="0"/>
+              <a:t>, P. Li, and A. Riddell. 2017. Stan: A Probabilistic Programming Language. Journal of Statistical Software </a:t>
+            </a:r>
+            <a:r>
+              <a:rPr lang="en-US" sz="2000" b="1" dirty="0"/>
+              <a:t>76:1-29.</a:t>
+            </a:r>
+          </a:p>
+          <a:p>
+            <a:endParaRPr lang="en-US" sz="2000" dirty="0"/>
+          </a:p>
+          <a:p>
+            <a:endParaRPr lang="en-US" sz="2000" dirty="0"/>
+          </a:p>
+        </p:txBody>
+      </p:sp>
+      <p:sp>
+        <p:nvSpPr>
+          <p:cNvPr id="4" name="Slide Number Placeholder 3"/>
+          <p:cNvSpPr>
+            <a:spLocks noGrp="1"/>
+          </p:cNvSpPr>
+          <p:nvPr>
+            <p:ph type="sldNum" sz="quarter" idx="12"/>
+          </p:nvPr>
+        </p:nvSpPr>
+        <p:spPr/>
+        <p:txBody>
+          <a:bodyPr/>
           <a:lstStyle/>
           <a:p>
-            <a:r>
-              <a:rPr lang="en-US" sz="4400" dirty="0" smtClean="0"/>
-              <a:t>Thanks… Questions?</a:t>
-            </a:r>
-            <a:endParaRPr lang="en-US" sz="4400" dirty="0"/>
-          </a:p>
-        </p:txBody>
-      </p:sp>
-      <p:pic>
-        <p:nvPicPr>
-          <p:cNvPr id="11268" name="Picture 4" descr="http://ext100.wsu.edu/kitsap/wp-content/uploads/sites/21/2014/01/Sea-Grant1.jpg"/>
-          <p:cNvPicPr>
-            <a:picLocks noChangeAspect="1" noChangeArrowheads="1"/>
-          </p:cNvPicPr>
-          <p:nvPr/>
-        </p:nvPicPr>
-        <p:blipFill>
-          <a:blip r:embed="rId3" cstate="print">
-            <a:extLst>
-              <a:ext uri="{28A0092B-C50C-407E-A947-70E740481C1C}">
-                <a14:useLocalDpi xmlns:a14="http://schemas.microsoft.com/office/drawing/2010/main" val="0"/>
-              </a:ext>
-            </a:extLst>
-          </a:blip>
-          <a:srcRect/>
-          <a:stretch>
-            <a:fillRect/>
-          </a:stretch>
-        </p:blipFill>
-        <p:spPr bwMode="auto">
-          <a:xfrm>
-            <a:off x="3523823" y="5428208"/>
-            <a:ext cx="1298575" cy="917392"/>
-          </a:xfrm>
-          <a:prstGeom prst="rect">
-            <a:avLst/>
-          </a:prstGeom>
-          <a:noFill/>
-          <a:extLst>
-            <a:ext uri="{909E8E84-426E-40DD-AFC4-6F175D3DCCD1}">
-              <a14:hiddenFill xmlns:a14="http://schemas.microsoft.com/office/drawing/2010/main">
-                <a:solidFill>
-                  <a:srgbClr val="FFFFFF"/>
-                </a:solidFill>
-              </a14:hiddenFill>
-            </a:ext>
-          </a:extLst>
-        </p:spPr>
-      </p:pic>
+            <a:fld id="{A90099C9-4CB8-9A40-B745-9AB270505907}" type="slidenum">
+              <a:rPr lang="en-US" smtClean="0"/>
+              <a:t>33</a:t>
+            </a:fld>
+            <a:endParaRPr lang="en-US"/>
+          </a:p>
+        </p:txBody>
+      </p:sp>
     </p:spTree>
     <p:extLst>
       <p:ext uri="{BB962C8B-B14F-4D97-AF65-F5344CB8AC3E}">
-        <p14:creationId xmlns:p14="http://schemas.microsoft.com/office/powerpoint/2010/main" val="803801388"/>
+        <p14:creationId xmlns:p14="http://schemas.microsoft.com/office/powerpoint/2010/main" val="160827824"/>
       </p:ext>
     </p:extLst>
   </p:cSld>
   <p:clrMapOvr>
     <a:masterClrMapping/>
   </p:clrMapOvr>
-  <p:timing>
-    <p:tnLst>
-      <p:par>
-        <p:cTn id="1" dur="indefinite" restart="never" nodeType="tmRoot">
-          <p:childTnLst>
-            <p:seq concurrent="1" nextAc="seek">
-              <p:cTn id="2" dur="indefinite" nodeType="mainSeq">
-                <p:childTnLst>
-                  <p:par>
-                    <p:cTn id="3" fill="hold">
-                      <p:stCondLst>
-                        <p:cond delay="indefinite"/>
-                        <p:cond evt="onBegin" delay="0">
-                          <p:tn val="2"/>
-                        </p:cond>
-                      </p:stCondLst>
-                      <p:childTnLst>
-                        <p:par>
-                          <p:cTn id="4" fill="hold">
-                            <p:stCondLst>
-                              <p:cond delay="0"/>
-                            </p:stCondLst>
-                            <p:childTnLst>
-                              <p:par>
-                                <p:cTn id="5" presetID="1" presetClass="entr" presetSubtype="0" fill="hold" nodeType="withEffect">
-                                  <p:stCondLst>
-                                    <p:cond delay="0"/>
-                                  </p:stCondLst>
-                                  <p:childTnLst>
-                                    <p:set>
-                                      <p:cBhvr>
-                                        <p:cTn id="6" dur="1" fill="hold">
-                                          <p:stCondLst>
-                                            <p:cond delay="0"/>
-                                          </p:stCondLst>
-                                        </p:cTn>
-                                        <p:tgtEl>
-                                          <p:spTgt spid="4"/>
-                                        </p:tgtEl>
-                                        <p:attrNameLst>
-                                          <p:attrName>style.visibility</p:attrName>
-                                        </p:attrNameLst>
-                                      </p:cBhvr>
-                                      <p:to>
-                                        <p:strVal val="visible"/>
-                                      </p:to>
-                                    </p:set>
-                                  </p:childTnLst>
-                                </p:cTn>
-                              </p:par>
-                            </p:childTnLst>
-                          </p:cTn>
-                        </p:par>
-                      </p:childTnLst>
-                    </p:cTn>
-                  </p:par>
-                  <p:par>
-                    <p:cTn id="7" fill="hold">
-                      <p:stCondLst>
-                        <p:cond delay="indefinite"/>
-                      </p:stCondLst>
-                      <p:childTnLst>
-                        <p:par>
-                          <p:cTn id="8" fill="hold">
-                            <p:stCondLst>
-                              <p:cond delay="0"/>
-                            </p:stCondLst>
-                            <p:childTnLst>
-                              <p:par>
-                                <p:cTn id="9" presetID="1" presetClass="entr" presetSubtype="0" fill="hold" grpId="0" nodeType="clickEffect">
-                                  <p:stCondLst>
-                                    <p:cond delay="0"/>
-                                  </p:stCondLst>
-                                  <p:childTnLst>
-                                    <p:set>
-                                      <p:cBhvr>
-                                        <p:cTn id="10" dur="1" fill="hold">
-                                          <p:stCondLst>
-                                            <p:cond delay="0"/>
-                                          </p:stCondLst>
-                                        </p:cTn>
-                                        <p:tgtEl>
-                                          <p:spTgt spid="5"/>
-                                        </p:tgtEl>
-                                        <p:attrNameLst>
-                                          <p:attrName>style.visibility</p:attrName>
-                                        </p:attrNameLst>
-                                      </p:cBhvr>
-                                      <p:to>
-                                        <p:strVal val="visible"/>
-                                      </p:to>
-                                    </p:set>
-                                  </p:childTnLst>
-                                </p:cTn>
-                              </p:par>
-                            </p:childTnLst>
-                          </p:cTn>
-                        </p:par>
-                      </p:childTnLst>
-                    </p:cTn>
-                  </p:par>
-                </p:childTnLst>
-              </p:cTn>
-              <p:prevCondLst>
-                <p:cond evt="onPrev" delay="0">
-                  <p:tgtEl>
-                    <p:sldTgt/>
-                  </p:tgtEl>
-                </p:cond>
-              </p:prevCondLst>
-              <p:nextCondLst>
-                <p:cond evt="onNext" delay="0">
-                  <p:tgtEl>
-                    <p:sldTgt/>
-                  </p:tgtEl>
-                </p:cond>
-              </p:nextCondLst>
-            </p:seq>
-          </p:childTnLst>
-        </p:cTn>
-      </p:par>
-    </p:tnLst>
-    <p:bldLst>
-      <p:bldP spid="5" grpId="0"/>
-    </p:bldLst>
-  </p:timing>
 </p:sld>
 </file>
 
@@ -13924,545 +12916,141 @@
             <p:ph type="title"/>
           </p:nvPr>
         </p:nvSpPr>
+        <p:spPr/>
+        <p:txBody>
+          <a:bodyPr/>
+          <a:lstStyle/>
+          <a:p>
+            <a:r>
+              <a:rPr lang="en-US" sz="3600" dirty="0" smtClean="0"/>
+              <a:t>Stan: the new frontier in Bayesian analysis</a:t>
+            </a:r>
+            <a:endParaRPr lang="en-US" sz="3600" dirty="0"/>
+          </a:p>
+        </p:txBody>
+      </p:sp>
+      <p:sp>
+        <p:nvSpPr>
+          <p:cNvPr id="3" name="Content Placeholder 2"/>
+          <p:cNvSpPr>
+            <a:spLocks noGrp="1"/>
+          </p:cNvSpPr>
+          <p:nvPr>
+            <p:ph idx="1"/>
+          </p:nvPr>
+        </p:nvSpPr>
         <p:spPr>
           <a:xfrm>
-            <a:off x="228600" y="28470"/>
-            <a:ext cx="8763000" cy="1143000"/>
+            <a:off x="457200" y="1600200"/>
+            <a:ext cx="5168348" cy="4530725"/>
           </a:xfrm>
         </p:spPr>
         <p:txBody>
-          <a:bodyPr>
-            <a:noAutofit/>
-          </a:bodyPr>
+          <a:bodyPr/>
           <a:lstStyle/>
           <a:p>
             <a:r>
-              <a:rPr lang="en-US" sz="4000" dirty="0" smtClean="0"/>
-              <a:t>Bayesian Integration</a:t>
-            </a:r>
-            <a:endParaRPr lang="en-US" sz="4000" dirty="0"/>
-          </a:p>
-        </p:txBody>
-      </p:sp>
-      <p:sp>
-        <p:nvSpPr>
-          <p:cNvPr id="3" name="Content Placeholder 2"/>
+              <a:rPr lang="en-US" smtClean="0"/>
+              <a:t>It </a:t>
+            </a:r>
+            <a:r>
+              <a:rPr lang="en-US" dirty="0" smtClean="0"/>
+              <a:t>is FAST</a:t>
+            </a:r>
+            <a:r>
+              <a:rPr lang="en-US" smtClean="0"/>
+              <a:t>. </a:t>
+            </a:r>
+          </a:p>
+          <a:p>
+            <a:r>
+              <a:rPr lang="en-US" smtClean="0"/>
+              <a:t>Sometimes </a:t>
+            </a:r>
+            <a:r>
+              <a:rPr lang="en-US" dirty="0" smtClean="0"/>
+              <a:t>hundreds or thousands of times faster than JAGS</a:t>
+            </a:r>
+          </a:p>
+          <a:p>
+            <a:r>
+              <a:rPr lang="en-US" dirty="0" smtClean="0"/>
+              <a:t>Scales well with dimensionality &amp; complexity</a:t>
+            </a:r>
+          </a:p>
+          <a:p>
+            <a:r>
+              <a:rPr lang="en-US" dirty="0" smtClean="0"/>
+              <a:t>It expands the possible models that can be fit</a:t>
+            </a:r>
+          </a:p>
+          <a:p>
+            <a:endParaRPr lang="en-US" dirty="0" smtClean="0"/>
+          </a:p>
+        </p:txBody>
+      </p:sp>
+      <p:sp>
+        <p:nvSpPr>
+          <p:cNvPr id="4" name="Slide Number Placeholder 3"/>
           <p:cNvSpPr>
             <a:spLocks noGrp="1"/>
           </p:cNvSpPr>
           <p:nvPr>
-            <p:ph idx="1"/>
-          </p:nvPr>
-        </p:nvSpPr>
+            <p:ph type="sldNum" sz="quarter" idx="12"/>
+          </p:nvPr>
+        </p:nvSpPr>
+        <p:spPr/>
+        <p:txBody>
+          <a:bodyPr/>
+          <a:lstStyle/>
+          <a:p>
+            <a:fld id="{A90099C9-4CB8-9A40-B745-9AB270505907}" type="slidenum">
+              <a:rPr lang="en-US" smtClean="0"/>
+              <a:t>4</a:t>
+            </a:fld>
+            <a:endParaRPr lang="en-US"/>
+          </a:p>
+        </p:txBody>
+      </p:sp>
+      <p:pic>
+        <p:nvPicPr>
+          <p:cNvPr id="5" name="Picture 4"/>
+          <p:cNvPicPr>
+            <a:picLocks noChangeAspect="1"/>
+          </p:cNvPicPr>
+          <p:nvPr/>
+        </p:nvPicPr>
+        <p:blipFill rotWithShape="1">
+          <a:blip r:embed="rId2">
+            <a:extLst>
+              <a:ext uri="{28A0092B-C50C-407E-A947-70E740481C1C}">
+                <a14:useLocalDpi xmlns:a14="http://schemas.microsoft.com/office/drawing/2010/main" val="0"/>
+              </a:ext>
+            </a:extLst>
+          </a:blip>
+          <a:srcRect t="34209"/>
+          <a:stretch/>
+        </p:blipFill>
         <p:spPr>
           <a:xfrm>
-            <a:off x="457200" y="1143000"/>
-            <a:ext cx="8229600" cy="5334000"/>
-          </a:xfrm>
-        </p:spPr>
-        <p:txBody>
-          <a:bodyPr>
-            <a:normAutofit/>
-          </a:bodyPr>
-          <a:lstStyle/>
-          <a:p>
-            <a:r>
-              <a:rPr lang="en-US" dirty="0" smtClean="0"/>
-              <a:t>A posterior is a distribution of parameters</a:t>
-            </a:r>
-          </a:p>
-          <a:p>
-            <a:r>
-              <a:rPr lang="en-US" dirty="0" smtClean="0"/>
-              <a:t>We integrate to make inference. If it’s easy, we do it analytically: </a:t>
-            </a:r>
-            <a:br>
-              <a:rPr lang="en-US" dirty="0" smtClean="0"/>
-            </a:br>
-            <a:r>
-              <a:rPr lang="en-US" sz="2200" dirty="0" smtClean="0"/>
-              <a:t> </a:t>
-            </a:r>
-            <a:endParaRPr lang="en-US" dirty="0"/>
-          </a:p>
-          <a:p>
-            <a:r>
-              <a:rPr lang="en-US" dirty="0" smtClean="0"/>
-              <a:t>If not, we can do it numerically, </a:t>
-            </a:r>
-            <a:r>
-              <a:rPr lang="en-US" dirty="0" err="1" smtClean="0"/>
-              <a:t>e.g</a:t>
-            </a:r>
-            <a:r>
-              <a:rPr lang="en-US" dirty="0" smtClean="0"/>
-              <a:t>,.:</a:t>
-            </a:r>
-          </a:p>
-          <a:p>
-            <a:pPr marL="857250" indent="-288925">
-              <a:buNone/>
-            </a:pPr>
-            <a:r>
-              <a:rPr lang="en-US" sz="2400" dirty="0" smtClean="0">
-                <a:latin typeface="Courier New" panose="02070309020205020404" pitchFamily="49" charset="0"/>
-                <a:cs typeface="Courier New" panose="02070309020205020404" pitchFamily="49" charset="0"/>
-              </a:rPr>
-              <a:t>&gt; </a:t>
-            </a:r>
-            <a:r>
-              <a:rPr lang="en-US" sz="2400" dirty="0">
-                <a:latin typeface="Courier New" panose="02070309020205020404" pitchFamily="49" charset="0"/>
-                <a:cs typeface="Courier New" panose="02070309020205020404" pitchFamily="49" charset="0"/>
-              </a:rPr>
-              <a:t>mean(</a:t>
-            </a:r>
-            <a:r>
-              <a:rPr lang="en-US" sz="2400" dirty="0" err="1">
-                <a:latin typeface="Courier New" panose="02070309020205020404" pitchFamily="49" charset="0"/>
-                <a:cs typeface="Courier New" panose="02070309020205020404" pitchFamily="49" charset="0"/>
-              </a:rPr>
-              <a:t>rnorm</a:t>
-            </a:r>
-            <a:r>
-              <a:rPr lang="en-US" sz="2400" dirty="0">
-                <a:latin typeface="Courier New" panose="02070309020205020404" pitchFamily="49" charset="0"/>
-                <a:cs typeface="Courier New" panose="02070309020205020404" pitchFamily="49" charset="0"/>
-              </a:rPr>
-              <a:t>(1e3,0,1)&lt;0) </a:t>
-            </a:r>
-            <a:r>
-              <a:rPr lang="en-US" sz="2400" dirty="0" smtClean="0">
-                <a:latin typeface="Courier New" panose="02070309020205020404" pitchFamily="49" charset="0"/>
-                <a:cs typeface="Courier New" panose="02070309020205020404" pitchFamily="49" charset="0"/>
-              </a:rPr>
-              <a:t> [</a:t>
-            </a:r>
-            <a:r>
-              <a:rPr lang="en-US" sz="2400" dirty="0">
-                <a:latin typeface="Courier New" panose="02070309020205020404" pitchFamily="49" charset="0"/>
-                <a:cs typeface="Courier New" panose="02070309020205020404" pitchFamily="49" charset="0"/>
-              </a:rPr>
-              <a:t>1] 0.488</a:t>
-            </a:r>
-          </a:p>
-          <a:p>
-            <a:pPr marL="857250" indent="-288925">
-              <a:buNone/>
-            </a:pPr>
-            <a:r>
-              <a:rPr lang="en-US" sz="2400" dirty="0" smtClean="0">
-                <a:latin typeface="Courier New" panose="02070309020205020404" pitchFamily="49" charset="0"/>
-                <a:cs typeface="Courier New" panose="02070309020205020404" pitchFamily="49" charset="0"/>
-              </a:rPr>
-              <a:t>&gt; mean(</a:t>
-            </a:r>
-            <a:r>
-              <a:rPr lang="en-US" sz="2400" dirty="0" err="1" smtClean="0">
-                <a:latin typeface="Courier New" panose="02070309020205020404" pitchFamily="49" charset="0"/>
-                <a:cs typeface="Courier New" panose="02070309020205020404" pitchFamily="49" charset="0"/>
-              </a:rPr>
-              <a:t>rnorm</a:t>
-            </a:r>
-            <a:r>
-              <a:rPr lang="en-US" sz="2400" dirty="0" smtClean="0">
-                <a:latin typeface="Courier New" panose="02070309020205020404" pitchFamily="49" charset="0"/>
-                <a:cs typeface="Courier New" panose="02070309020205020404" pitchFamily="49" charset="0"/>
-              </a:rPr>
-              <a:t>(1e6,0,1</a:t>
-            </a:r>
-            <a:r>
-              <a:rPr lang="en-US" sz="2400" dirty="0">
-                <a:latin typeface="Courier New" panose="02070309020205020404" pitchFamily="49" charset="0"/>
-                <a:cs typeface="Courier New" panose="02070309020205020404" pitchFamily="49" charset="0"/>
-              </a:rPr>
-              <a:t>)&lt;0) </a:t>
-            </a:r>
-            <a:r>
-              <a:rPr lang="en-US" sz="2400" dirty="0" smtClean="0">
-                <a:latin typeface="Courier New" panose="02070309020205020404" pitchFamily="49" charset="0"/>
-                <a:cs typeface="Courier New" panose="02070309020205020404" pitchFamily="49" charset="0"/>
-              </a:rPr>
-              <a:t> [</a:t>
-            </a:r>
-            <a:r>
-              <a:rPr lang="en-US" sz="2400" dirty="0">
-                <a:latin typeface="Courier New" panose="02070309020205020404" pitchFamily="49" charset="0"/>
-                <a:cs typeface="Courier New" panose="02070309020205020404" pitchFamily="49" charset="0"/>
-              </a:rPr>
-              <a:t>1] </a:t>
-            </a:r>
-            <a:r>
-              <a:rPr lang="en-US" sz="2400" dirty="0" smtClean="0">
-                <a:latin typeface="Courier New" panose="02070309020205020404" pitchFamily="49" charset="0"/>
-                <a:cs typeface="Courier New" panose="02070309020205020404" pitchFamily="49" charset="0"/>
-              </a:rPr>
-              <a:t>0.499608</a:t>
-            </a:r>
-          </a:p>
-          <a:p>
-            <a:r>
-              <a:rPr lang="en-US" dirty="0" smtClean="0"/>
-              <a:t>But how to generate random posterior samples? Enter MCMC!</a:t>
-            </a:r>
-            <a:br>
-              <a:rPr lang="en-US" dirty="0" smtClean="0"/>
-            </a:br>
-            <a:endParaRPr lang="en-US" dirty="0" smtClean="0"/>
-          </a:p>
-        </p:txBody>
-      </p:sp>
-      <p:sp>
-        <p:nvSpPr>
-          <p:cNvPr id="6" name="TextBox 5"/>
-          <p:cNvSpPr txBox="1"/>
-          <p:nvPr/>
-        </p:nvSpPr>
-        <p:spPr>
-          <a:xfrm>
-            <a:off x="1295400" y="5892225"/>
-            <a:ext cx="6477000" cy="584775"/>
+            <a:off x="5406888" y="973741"/>
+            <a:ext cx="3397134" cy="5269897"/>
           </a:xfrm>
           <a:prstGeom prst="rect">
             <a:avLst/>
           </a:prstGeom>
-          <a:noFill/>
-          <a:ln w="28575">
-            <a:solidFill>
-              <a:srgbClr val="FF0000"/>
-            </a:solidFill>
-          </a:ln>
-        </p:spPr>
-        <p:txBody>
-          <a:bodyPr wrap="square" rtlCol="0">
-            <a:spAutoFit/>
-          </a:bodyPr>
-          <a:lstStyle/>
-          <a:p>
-            <a:pPr algn="ctr"/>
-            <a:r>
-              <a:rPr lang="en-US" sz="3200" dirty="0"/>
-              <a:t>MCMC is </a:t>
-            </a:r>
-            <a:r>
-              <a:rPr lang="en-US" sz="3200" dirty="0">
-                <a:latin typeface="Courier New" panose="02070309020205020404" pitchFamily="49" charset="0"/>
-                <a:cs typeface="Courier New" panose="02070309020205020404" pitchFamily="49" charset="0"/>
-              </a:rPr>
-              <a:t>r&lt;your posterior</a:t>
-            </a:r>
-            <a:r>
-              <a:rPr lang="en-US" sz="3200" dirty="0" smtClean="0">
-                <a:latin typeface="Courier New" panose="02070309020205020404" pitchFamily="49" charset="0"/>
-                <a:cs typeface="Courier New" panose="02070309020205020404" pitchFamily="49" charset="0"/>
-              </a:rPr>
-              <a:t>&gt;()</a:t>
-            </a:r>
-            <a:endParaRPr lang="en-US" sz="3200" dirty="0"/>
-          </a:p>
-        </p:txBody>
-      </p:sp>
-      <p:graphicFrame>
-        <p:nvGraphicFramePr>
-          <p:cNvPr id="7" name="Object 6"/>
-          <p:cNvGraphicFramePr>
-            <a:graphicFrameLocks noChangeAspect="1"/>
-          </p:cNvGraphicFramePr>
-          <p:nvPr>
-            <p:extLst/>
-          </p:nvPr>
-        </p:nvGraphicFramePr>
-        <p:xfrm>
-          <a:off x="3886200" y="2286000"/>
-          <a:ext cx="4024887" cy="795337"/>
-        </p:xfrm>
-        <a:graphic>
-          <a:graphicData uri="http://schemas.openxmlformats.org/presentationml/2006/ole">
-            <mc:AlternateContent xmlns:mc="http://schemas.openxmlformats.org/markup-compatibility/2006">
-              <mc:Choice xmlns:v="urn:schemas-microsoft-com:vml" Requires="v">
-                <p:oleObj spid="_x0000_s3074" name="Equation" r:id="rId3" imgW="2120760" imgH="419040" progId="Equation.DSMT4">
-                  <p:embed/>
-                </p:oleObj>
-              </mc:Choice>
-              <mc:Fallback>
-                <p:oleObj name="Equation" r:id="rId3" imgW="2120760" imgH="419040" progId="Equation.DSMT4">
-                  <p:embed/>
-                  <p:pic>
-                    <p:nvPicPr>
-                      <p:cNvPr id="7" name="Object 6"/>
-                      <p:cNvPicPr/>
-                      <p:nvPr/>
-                    </p:nvPicPr>
-                    <p:blipFill>
-                      <a:blip r:embed="rId4"/>
-                      <a:stretch>
-                        <a:fillRect/>
-                      </a:stretch>
-                    </p:blipFill>
-                    <p:spPr>
-                      <a:xfrm>
-                        <a:off x="3886200" y="2286000"/>
-                        <a:ext cx="4024887" cy="795337"/>
-                      </a:xfrm>
-                      <a:prstGeom prst="rect">
-                        <a:avLst/>
-                      </a:prstGeom>
-                    </p:spPr>
-                  </p:pic>
-                </p:oleObj>
-              </mc:Fallback>
-            </mc:AlternateContent>
-          </a:graphicData>
-        </a:graphic>
-      </p:graphicFrame>
+        </p:spPr>
+      </p:pic>
     </p:spTree>
     <p:extLst>
       <p:ext uri="{BB962C8B-B14F-4D97-AF65-F5344CB8AC3E}">
-        <p14:creationId xmlns:p14="http://schemas.microsoft.com/office/powerpoint/2010/main" val="2254771493"/>
+        <p14:creationId xmlns:p14="http://schemas.microsoft.com/office/powerpoint/2010/main" val="1600154246"/>
       </p:ext>
     </p:extLst>
   </p:cSld>
   <p:clrMapOvr>
     <a:masterClrMapping/>
   </p:clrMapOvr>
-  <p:timing>
-    <p:tnLst>
-      <p:par>
-        <p:cTn id="1" dur="indefinite" restart="never" nodeType="tmRoot">
-          <p:childTnLst>
-            <p:seq concurrent="1" nextAc="seek">
-              <p:cTn id="2" dur="indefinite" nodeType="mainSeq">
-                <p:childTnLst>
-                  <p:par>
-                    <p:cTn id="3" fill="hold">
-                      <p:stCondLst>
-                        <p:cond delay="indefinite"/>
-                      </p:stCondLst>
-                      <p:childTnLst>
-                        <p:par>
-                          <p:cTn id="4" fill="hold">
-                            <p:stCondLst>
-                              <p:cond delay="0"/>
-                            </p:stCondLst>
-                            <p:childTnLst>
-                              <p:par>
-                                <p:cTn id="5" presetID="1" presetClass="entr" presetSubtype="0" fill="hold" nodeType="clickEffect">
-                                  <p:stCondLst>
-                                    <p:cond delay="0"/>
-                                  </p:stCondLst>
-                                  <p:childTnLst>
-                                    <p:set>
-                                      <p:cBhvr>
-                                        <p:cTn id="6" dur="1" fill="hold">
-                                          <p:stCondLst>
-                                            <p:cond delay="0"/>
-                                          </p:stCondLst>
-                                        </p:cTn>
-                                        <p:tgtEl>
-                                          <p:spTgt spid="3">
-                                            <p:txEl>
-                                              <p:pRg st="2" end="2"/>
-                                            </p:txEl>
-                                          </p:spTgt>
-                                        </p:tgtEl>
-                                        <p:attrNameLst>
-                                          <p:attrName>style.visibility</p:attrName>
-                                        </p:attrNameLst>
-                                      </p:cBhvr>
-                                      <p:to>
-                                        <p:strVal val="visible"/>
-                                      </p:to>
-                                    </p:set>
-                                  </p:childTnLst>
-                                </p:cTn>
-                              </p:par>
-                              <p:par>
-                                <p:cTn id="7" presetID="1" presetClass="entr" presetSubtype="0" fill="hold" nodeType="withEffect">
-                                  <p:stCondLst>
-                                    <p:cond delay="0"/>
-                                  </p:stCondLst>
-                                  <p:childTnLst>
-                                    <p:set>
-                                      <p:cBhvr>
-                                        <p:cTn id="8" dur="1" fill="hold">
-                                          <p:stCondLst>
-                                            <p:cond delay="0"/>
-                                          </p:stCondLst>
-                                        </p:cTn>
-                                        <p:tgtEl>
-                                          <p:spTgt spid="3">
-                                            <p:txEl>
-                                              <p:pRg st="3" end="3"/>
-                                            </p:txEl>
-                                          </p:spTgt>
-                                        </p:tgtEl>
-                                        <p:attrNameLst>
-                                          <p:attrName>style.visibility</p:attrName>
-                                        </p:attrNameLst>
-                                      </p:cBhvr>
-                                      <p:to>
-                                        <p:strVal val="visible"/>
-                                      </p:to>
-                                    </p:set>
-                                  </p:childTnLst>
-                                </p:cTn>
-                              </p:par>
-                              <p:par>
-                                <p:cTn id="9" presetID="1" presetClass="entr" presetSubtype="0" fill="hold" nodeType="withEffect">
-                                  <p:stCondLst>
-                                    <p:cond delay="0"/>
-                                  </p:stCondLst>
-                                  <p:childTnLst>
-                                    <p:set>
-                                      <p:cBhvr>
-                                        <p:cTn id="10" dur="1" fill="hold">
-                                          <p:stCondLst>
-                                            <p:cond delay="0"/>
-                                          </p:stCondLst>
-                                        </p:cTn>
-                                        <p:tgtEl>
-                                          <p:spTgt spid="3">
-                                            <p:txEl>
-                                              <p:pRg st="4" end="4"/>
-                                            </p:txEl>
-                                          </p:spTgt>
-                                        </p:tgtEl>
-                                        <p:attrNameLst>
-                                          <p:attrName>style.visibility</p:attrName>
-                                        </p:attrNameLst>
-                                      </p:cBhvr>
-                                      <p:to>
-                                        <p:strVal val="visible"/>
-                                      </p:to>
-                                    </p:set>
-                                  </p:childTnLst>
-                                </p:cTn>
-                              </p:par>
-                            </p:childTnLst>
-                          </p:cTn>
-                        </p:par>
-                      </p:childTnLst>
-                    </p:cTn>
-                  </p:par>
-                  <p:par>
-                    <p:cTn id="11" fill="hold">
-                      <p:stCondLst>
-                        <p:cond delay="indefinite"/>
-                      </p:stCondLst>
-                      <p:childTnLst>
-                        <p:par>
-                          <p:cTn id="12" fill="hold">
-                            <p:stCondLst>
-                              <p:cond delay="0"/>
-                            </p:stCondLst>
-                            <p:childTnLst>
-                              <p:par>
-                                <p:cTn id="13" presetID="1" presetClass="entr" presetSubtype="0" fill="hold" nodeType="clickEffect">
-                                  <p:stCondLst>
-                                    <p:cond delay="0"/>
-                                  </p:stCondLst>
-                                  <p:childTnLst>
-                                    <p:set>
-                                      <p:cBhvr>
-                                        <p:cTn id="14" dur="1" fill="hold">
-                                          <p:stCondLst>
-                                            <p:cond delay="0"/>
-                                          </p:stCondLst>
-                                        </p:cTn>
-                                        <p:tgtEl>
-                                          <p:spTgt spid="3">
-                                            <p:txEl>
-                                              <p:pRg st="5" end="5"/>
-                                            </p:txEl>
-                                          </p:spTgt>
-                                        </p:tgtEl>
-                                        <p:attrNameLst>
-                                          <p:attrName>style.visibility</p:attrName>
-                                        </p:attrNameLst>
-                                      </p:cBhvr>
-                                      <p:to>
-                                        <p:strVal val="visible"/>
-                                      </p:to>
-                                    </p:set>
-                                  </p:childTnLst>
-                                </p:cTn>
-                              </p:par>
-                            </p:childTnLst>
-                          </p:cTn>
-                        </p:par>
-                      </p:childTnLst>
-                    </p:cTn>
-                  </p:par>
-                  <p:par>
-                    <p:cTn id="15" fill="hold">
-                      <p:stCondLst>
-                        <p:cond delay="indefinite"/>
-                      </p:stCondLst>
-                      <p:childTnLst>
-                        <p:par>
-                          <p:cTn id="16" fill="hold">
-                            <p:stCondLst>
-                              <p:cond delay="0"/>
-                            </p:stCondLst>
-                            <p:childTnLst>
-                              <p:par>
-                                <p:cTn id="17" presetID="1" presetClass="entr" presetSubtype="0" fill="hold" grpId="0" nodeType="clickEffect">
-                                  <p:stCondLst>
-                                    <p:cond delay="0"/>
-                                  </p:stCondLst>
-                                  <p:childTnLst>
-                                    <p:set>
-                                      <p:cBhvr>
-                                        <p:cTn id="18" dur="1" fill="hold">
-                                          <p:stCondLst>
-                                            <p:cond delay="0"/>
-                                          </p:stCondLst>
-                                        </p:cTn>
-                                        <p:tgtEl>
-                                          <p:spTgt spid="6"/>
-                                        </p:tgtEl>
-                                        <p:attrNameLst>
-                                          <p:attrName>style.visibility</p:attrName>
-                                        </p:attrNameLst>
-                                      </p:cBhvr>
-                                      <p:to>
-                                        <p:strVal val="visible"/>
-                                      </p:to>
-                                    </p:set>
-                                  </p:childTnLst>
-                                </p:cTn>
-                              </p:par>
-                            </p:childTnLst>
-                          </p:cTn>
-                        </p:par>
-                      </p:childTnLst>
-                    </p:cTn>
-                  </p:par>
-                </p:childTnLst>
-              </p:cTn>
-              <p:prevCondLst>
-                <p:cond evt="onPrev" delay="0">
-                  <p:tgtEl>
-                    <p:sldTgt/>
-                  </p:tgtEl>
-                </p:cond>
-              </p:prevCondLst>
-              <p:nextCondLst>
-                <p:cond evt="onNext" delay="0">
-                  <p:tgtEl>
-                    <p:sldTgt/>
-                  </p:tgtEl>
-                </p:cond>
-              </p:nextCondLst>
-            </p:seq>
-          </p:childTnLst>
-        </p:cTn>
-      </p:par>
-    </p:tnLst>
-    <p:bldLst>
-      <p:bldP spid="6" grpId="0" animBg="1"/>
-    </p:bldLst>
-  </p:timing>
 </p:sld>
 </file>
 
@@ -14500,7 +13088,7 @@
           <a:p>
             <a:r>
               <a:rPr lang="en-US" dirty="0" smtClean="0"/>
-              <a:t>Markov chain Monte Carlo</a:t>
+              <a:t>Plan of attack</a:t>
             </a:r>
             <a:endParaRPr lang="en-US" dirty="0"/>
           </a:p>
@@ -14516,74 +13104,110 @@
             <p:ph idx="1"/>
           </p:nvPr>
         </p:nvSpPr>
-        <p:spPr/>
+        <p:spPr>
+          <a:xfrm>
+            <a:off x="457200" y="1371600"/>
+            <a:ext cx="8229600" cy="4038600"/>
+          </a:xfrm>
+        </p:spPr>
         <p:txBody>
           <a:bodyPr>
-            <a:normAutofit fontScale="92500" lnSpcReduction="10000"/>
+            <a:normAutofit/>
           </a:bodyPr>
           <a:lstStyle/>
           <a:p>
-            <a:pPr marL="346075" indent="-346075"/>
-            <a:r>
-              <a:rPr lang="en-US" dirty="0" smtClean="0"/>
-              <a:t>Markov chains’ next state only depends on the current state </a:t>
-            </a:r>
-          </a:p>
-          <a:p>
-            <a:pPr marL="346075" indent="-346075"/>
-            <a:r>
-              <a:rPr lang="en-US" dirty="0" smtClean="0"/>
-              <a:t>If one is run to ∞, the states will form an ‘equilibrium’ distribution</a:t>
-            </a:r>
-            <a:r>
-              <a:rPr lang="en-US" baseline="30000" dirty="0" smtClean="0"/>
-              <a:t>1</a:t>
-            </a:r>
-            <a:endParaRPr lang="en-US" dirty="0" smtClean="0"/>
-          </a:p>
-          <a:p>
-            <a:pPr marL="346075" indent="-346075"/>
-            <a:r>
-              <a:rPr lang="en-US" dirty="0" smtClean="0"/>
-              <a:t>A MCMC is a chain designed such that the</a:t>
-            </a:r>
-            <a:br>
-              <a:rPr lang="en-US" dirty="0" smtClean="0"/>
-            </a:br>
-            <a:r>
-              <a:rPr lang="en-US" dirty="0" smtClean="0"/>
-              <a:t> </a:t>
-            </a:r>
-            <a:r>
-              <a:rPr lang="en-US" b="1" dirty="0" smtClean="0"/>
-              <a:t>equilibrium distribution = posterior of interest</a:t>
-            </a:r>
-          </a:p>
-          <a:p>
-            <a:pPr marL="346075" indent="-346075"/>
-            <a:r>
-              <a:rPr lang="en-US" dirty="0" smtClean="0"/>
-              <a:t>Efficiency is producing independent samples fast. Must be able to easily move between regions.</a:t>
-            </a:r>
+            <a:pPr marL="514350" indent="-514350">
+              <a:buFont typeface="+mj-lt"/>
+              <a:buAutoNum type="arabicPeriod"/>
+            </a:pPr>
+            <a:r>
+              <a:rPr lang="en-US" dirty="0" smtClean="0"/>
+              <a:t>Bayesian intro and background</a:t>
+            </a:r>
+          </a:p>
+          <a:p>
+            <a:pPr marL="514350" indent="-514350">
+              <a:buFont typeface="+mj-lt"/>
+              <a:buAutoNum type="arabicPeriod"/>
+            </a:pPr>
+            <a:r>
+              <a:rPr lang="en-US" dirty="0" smtClean="0"/>
+              <a:t>Gibbs and Metropolis overview</a:t>
+            </a:r>
+          </a:p>
+          <a:p>
+            <a:pPr marL="514350" indent="-514350">
+              <a:buFont typeface="+mj-lt"/>
+              <a:buAutoNum type="arabicPeriod"/>
+            </a:pPr>
+            <a:r>
+              <a:rPr lang="en-US" dirty="0" smtClean="0"/>
+              <a:t>Intro to Hamiltonian dynamics </a:t>
+            </a:r>
+          </a:p>
+          <a:p>
+            <a:pPr marL="514350" indent="-514350">
+              <a:buFont typeface="+mj-lt"/>
+              <a:buAutoNum type="arabicPeriod"/>
+            </a:pPr>
+            <a:r>
+              <a:rPr lang="en-US" dirty="0" smtClean="0"/>
+              <a:t>Hamiltonian Monte Carlo &amp; No-U-Turn</a:t>
+            </a:r>
+          </a:p>
+          <a:p>
+            <a:pPr lvl="1"/>
+            <a:r>
+              <a:rPr lang="en-US" dirty="0" smtClean="0"/>
+              <a:t>Develop intuition for these MCMC algorithms</a:t>
+            </a:r>
+          </a:p>
+          <a:p>
+            <a:pPr lvl="1"/>
+            <a:r>
+              <a:rPr lang="en-US" dirty="0" smtClean="0"/>
+              <a:t>Review software options</a:t>
+            </a:r>
+          </a:p>
+          <a:p>
+            <a:pPr marL="514350" indent="-514350">
+              <a:buFont typeface="+mj-lt"/>
+              <a:buAutoNum type="arabicPeriod"/>
+            </a:pPr>
+            <a:r>
+              <a:rPr lang="en-US" dirty="0" smtClean="0"/>
+              <a:t>Performance and concluding thoughts</a:t>
+            </a:r>
+          </a:p>
+          <a:p>
+            <a:pPr marL="514350" indent="-514350">
+              <a:buFont typeface="+mj-lt"/>
+              <a:buAutoNum type="arabicPeriod"/>
+            </a:pPr>
             <a:endParaRPr lang="en-US" dirty="0"/>
           </a:p>
         </p:txBody>
       </p:sp>
       <p:sp>
         <p:nvSpPr>
-          <p:cNvPr id="5" name="TextBox 4"/>
+          <p:cNvPr id="4" name="TextBox 3"/>
           <p:cNvSpPr txBox="1"/>
           <p:nvPr/>
         </p:nvSpPr>
         <p:spPr>
           <a:xfrm>
-            <a:off x="76200" y="6412468"/>
-            <a:ext cx="9067800" cy="369332"/>
+            <a:off x="800100" y="5320747"/>
+            <a:ext cx="7543800" cy="1077218"/>
           </a:xfrm>
           <a:prstGeom prst="rect">
             <a:avLst/>
           </a:prstGeom>
           <a:noFill/>
+          <a:ln>
+            <a:solidFill>
+              <a:schemeClr val="tx1"/>
+            </a:solidFill>
+          </a:ln>
         </p:spPr>
         <p:txBody>
           <a:bodyPr wrap="square" rtlCol="0">
@@ -14591,35 +13215,27 @@
           </a:bodyPr>
           <a:lstStyle/>
           <a:p>
-            <a:pPr algn="r"/>
-            <a:r>
-              <a:rPr lang="en-US" baseline="30000" dirty="0"/>
-              <a:t>1</a:t>
-            </a:r>
-            <a:r>
-              <a:rPr lang="en-US" dirty="0"/>
-              <a:t> U</a:t>
-            </a:r>
-            <a:r>
-              <a:rPr lang="en-US" dirty="0" smtClean="0"/>
-              <a:t>nder </a:t>
-            </a:r>
-            <a:r>
-              <a:rPr lang="en-US" dirty="0"/>
-              <a:t>certain </a:t>
-            </a:r>
-            <a:r>
-              <a:rPr lang="en-US" dirty="0" smtClean="0"/>
-              <a:t>conditions. Informally calling  this “detailed balance”</a:t>
-            </a:r>
-            <a:endParaRPr lang="en-US" dirty="0"/>
+            <a:pPr algn="ctr"/>
+            <a:r>
+              <a:rPr lang="en-US" sz="3200" b="1" dirty="0"/>
+              <a:t>Goal</a:t>
+            </a:r>
+            <a:r>
+              <a:rPr lang="en-US" sz="3200" dirty="0"/>
+              <a:t>: Understand algorithms enough to diagnose and interpret MCMC </a:t>
+            </a:r>
+            <a:r>
+              <a:rPr lang="en-US" sz="3200" dirty="0" smtClean="0"/>
+              <a:t>output</a:t>
+            </a:r>
+            <a:endParaRPr lang="en-US" sz="3200" dirty="0"/>
           </a:p>
         </p:txBody>
       </p:sp>
     </p:spTree>
     <p:extLst>
       <p:ext uri="{BB962C8B-B14F-4D97-AF65-F5344CB8AC3E}">
-        <p14:creationId xmlns:p14="http://schemas.microsoft.com/office/powerpoint/2010/main" val="1237184733"/>
+        <p14:creationId xmlns:p14="http://schemas.microsoft.com/office/powerpoint/2010/main" val="2434183325"/>
       </p:ext>
     </p:extLst>
   </p:cSld>
@@ -14665,7 +13281,7 @@
         </p:nvSpPr>
         <p:spPr>
           <a:xfrm>
-            <a:off x="457200" y="0"/>
+            <a:off x="457200" y="208723"/>
             <a:ext cx="8229600" cy="1143000"/>
           </a:xfrm>
         </p:spPr>
@@ -14853,7 +13469,7 @@
           <a:graphicData uri="http://schemas.openxmlformats.org/presentationml/2006/ole">
             <mc:AlternateContent xmlns:mc="http://schemas.openxmlformats.org/markup-compatibility/2006">
               <mc:Choice xmlns:v="urn:schemas-microsoft-com:vml" Requires="v">
-                <p:oleObj spid="_x0000_s4098" name="Equation" r:id="rId4" imgW="2311200" imgH="685800" progId="Equation.DSMT4">
+                <p:oleObj spid="_x0000_s4115" name="Equation" r:id="rId4" imgW="2311200" imgH="685800" progId="Equation.DSMT4">
                   <p:embed/>
                 </p:oleObj>
               </mc:Choice>
@@ -15522,7 +14138,7 @@
           <a:graphicData uri="http://schemas.openxmlformats.org/presentationml/2006/ole">
             <mc:AlternateContent xmlns:mc="http://schemas.openxmlformats.org/markup-compatibility/2006">
               <mc:Choice xmlns:v="urn:schemas-microsoft-com:vml" Requires="v">
-                <p:oleObj spid="_x0000_s5122" name="Equation" r:id="rId4" imgW="2311200" imgH="685800" progId="Equation.DSMT4">
+                <p:oleObj spid="_x0000_s5139" name="Equation" r:id="rId4" imgW="2311200" imgH="685800" progId="Equation.DSMT4">
                   <p:embed/>
                 </p:oleObj>
               </mc:Choice>
@@ -16123,7 +14739,7 @@
           <a:graphicData uri="http://schemas.openxmlformats.org/presentationml/2006/ole">
             <mc:AlternateContent xmlns:mc="http://schemas.openxmlformats.org/markup-compatibility/2006">
               <mc:Choice xmlns:v="urn:schemas-microsoft-com:vml" Requires="v">
-                <p:oleObj spid="_x0000_s6146" name="Equation" r:id="rId4" imgW="2311200" imgH="685800" progId="Equation.DSMT4">
+                <p:oleObj spid="_x0000_s6163" name="Equation" r:id="rId4" imgW="2311200" imgH="685800" progId="Equation.DSMT4">
                   <p:embed/>
                 </p:oleObj>
               </mc:Choice>
